--- a/Speech Emotion Detection.pptx
+++ b/Speech Emotion Detection.pptx
@@ -7,17 +7,20 @@
   <p:sldIdLst>
     <p:sldId id="256" r:id="rId2"/>
     <p:sldId id="257" r:id="rId3"/>
-    <p:sldId id="258" r:id="rId4"/>
-    <p:sldId id="259" r:id="rId5"/>
-    <p:sldId id="260" r:id="rId6"/>
-    <p:sldId id="261" r:id="rId7"/>
-    <p:sldId id="262" r:id="rId8"/>
-    <p:sldId id="263" r:id="rId9"/>
-    <p:sldId id="264" r:id="rId10"/>
-    <p:sldId id="266" r:id="rId11"/>
-    <p:sldId id="267" r:id="rId12"/>
-    <p:sldId id="268" r:id="rId13"/>
-    <p:sldId id="269" r:id="rId14"/>
+    <p:sldId id="270" r:id="rId4"/>
+    <p:sldId id="271" r:id="rId5"/>
+    <p:sldId id="258" r:id="rId6"/>
+    <p:sldId id="272" r:id="rId7"/>
+    <p:sldId id="259" r:id="rId8"/>
+    <p:sldId id="260" r:id="rId9"/>
+    <p:sldId id="261" r:id="rId10"/>
+    <p:sldId id="262" r:id="rId11"/>
+    <p:sldId id="263" r:id="rId12"/>
+    <p:sldId id="264" r:id="rId13"/>
+    <p:sldId id="266" r:id="rId14"/>
+    <p:sldId id="267" r:id="rId15"/>
+    <p:sldId id="268" r:id="rId16"/>
+    <p:sldId id="269" r:id="rId17"/>
   </p:sldIdLst>
   <p:sldSz cx="12192000" cy="6858000"/>
   <p:notesSz cx="6858000" cy="9144000"/>
@@ -5806,47 +5809,63 @@
           <a:p>
             <a:pPr algn="ctr"/>
             <a:r>
-              <a:rPr lang="en-US" sz="4400" i="1" dirty="0" smtClean="0">
+              <a:rPr lang="en-US" sz="4800" b="1" dirty="0" smtClean="0">
                 <a:solidFill>
-                  <a:srgbClr val="00B050"/>
+                  <a:schemeClr val="accent2"/>
+                </a:solidFill>
+              </a:rPr>
+              <a:t>Speech </a:t>
+            </a:r>
+            <a:r>
+              <a:rPr lang="en-US" sz="4800" b="1" dirty="0" smtClean="0">
+                <a:solidFill>
+                  <a:schemeClr val="accent2"/>
+                </a:solidFill>
+              </a:rPr>
+              <a:t>Emotion </a:t>
+            </a:r>
+            <a:r>
+              <a:rPr lang="en-US" sz="4800" b="1" dirty="0" smtClean="0">
+                <a:solidFill>
+                  <a:schemeClr val="accent2"/>
+                </a:solidFill>
+              </a:rPr>
+              <a:t>Recognition</a:t>
+            </a:r>
+            <a:br>
+              <a:rPr lang="en-US" sz="4800" b="1" dirty="0" smtClean="0">
+                <a:solidFill>
+                  <a:schemeClr val="accent2"/>
+                </a:solidFill>
+              </a:rPr>
+            </a:br>
+            <a:r>
+              <a:rPr lang="en-US" sz="3600" i="1" dirty="0" smtClean="0">
+                <a:solidFill>
+                  <a:schemeClr val="accent2"/>
+                </a:solidFill>
+              </a:rPr>
+              <a:t>using</a:t>
+            </a:r>
+            <a:r>
+              <a:rPr lang="en-US" sz="3600" b="1" dirty="0" smtClean="0">
+                <a:solidFill>
+                  <a:schemeClr val="accent2"/>
+                </a:solidFill>
+              </a:rPr>
+              <a:t> </a:t>
+            </a:r>
+            <a:r>
+              <a:rPr lang="en-US" sz="3600" i="1" dirty="0">
+                <a:solidFill>
+                  <a:schemeClr val="accent2"/>
                 </a:solidFill>
               </a:rPr>
               <a:t>Machine Learning</a:t>
             </a:r>
-            <a:r>
-              <a:rPr lang="en-US" dirty="0" smtClean="0">
-                <a:solidFill>
-                  <a:srgbClr val="00B050"/>
-                </a:solidFill>
-              </a:rPr>
-              <a:t/>
-            </a:r>
-            <a:br>
-              <a:rPr lang="en-US" dirty="0" smtClean="0">
-                <a:solidFill>
-                  <a:srgbClr val="00B050"/>
-                </a:solidFill>
-              </a:rPr>
-            </a:br>
-            <a:r>
-              <a:rPr lang="en-US" b="1" dirty="0" smtClean="0">
-                <a:solidFill>
-                  <a:srgbClr val="00B050"/>
-                </a:solidFill>
-              </a:rPr>
-              <a:t>Speech </a:t>
-            </a:r>
-            <a:r>
-              <a:rPr lang="en-US" b="1" dirty="0" smtClean="0">
-                <a:solidFill>
-                  <a:srgbClr val="00B050"/>
-                </a:solidFill>
-              </a:rPr>
-              <a:t>Emotion Detection</a:t>
-            </a:r>
-            <a:endParaRPr lang="en-US" b="1" dirty="0">
+            <a:endParaRPr lang="en-US" sz="4800" b="1" dirty="0">
               <a:solidFill>
-                <a:srgbClr val="00B050"/>
+                <a:schemeClr val="accent2"/>
               </a:solidFill>
             </a:endParaRPr>
           </a:p>
@@ -5941,6 +5960,30 @@
           </a:p>
         </p:txBody>
       </p:sp>
+      <p:pic>
+        <p:nvPicPr>
+          <p:cNvPr id="5" name="Picture 4"/>
+          <p:cNvPicPr>
+            <a:picLocks noChangeAspect="1"/>
+          </p:cNvPicPr>
+          <p:nvPr/>
+        </p:nvPicPr>
+        <p:blipFill>
+          <a:blip r:embed="rId2"/>
+          <a:stretch>
+            <a:fillRect/>
+          </a:stretch>
+        </p:blipFill>
+        <p:spPr>
+          <a:xfrm>
+            <a:off x="3932023" y="0"/>
+            <a:ext cx="2705100" cy="1685925"/>
+          </a:xfrm>
+          <a:prstGeom prst="rect">
+            <a:avLst/>
+          </a:prstGeom>
+        </p:spPr>
+      </p:pic>
     </p:spTree>
     <p:extLst>
       <p:ext uri="{BB962C8B-B14F-4D97-AF65-F5344CB8AC3E}">
@@ -5992,12 +6035,8 @@
           <a:lstStyle/>
           <a:p>
             <a:r>
-              <a:rPr lang="en-US" dirty="0" smtClean="0"/>
-              <a:t>Model </a:t>
-            </a:r>
-            <a:r>
               <a:rPr lang="en-US" dirty="0" err="1" smtClean="0"/>
-              <a:t>GridSearch</a:t>
+              <a:t>MiniRocket</a:t>
             </a:r>
             <a:endParaRPr lang="en-US" dirty="0"/>
           </a:p>
@@ -6030,7 +6069,7 @@
     </p:spTree>
     <p:extLst>
       <p:ext uri="{BB962C8B-B14F-4D97-AF65-F5344CB8AC3E}">
-        <p14:creationId xmlns:p14="http://schemas.microsoft.com/office/powerpoint/2010/main" val="344506565"/>
+        <p14:creationId xmlns:p14="http://schemas.microsoft.com/office/powerpoint/2010/main" val="2162043222"/>
       </p:ext>
     </p:extLst>
   </p:cSld>
@@ -6079,7 +6118,7 @@
           <a:p>
             <a:r>
               <a:rPr lang="en-US" dirty="0" smtClean="0"/>
-              <a:t>Conclusion</a:t>
+              <a:t>Feature Analysis</a:t>
             </a:r>
             <a:endParaRPr lang="en-US" dirty="0"/>
           </a:p>
@@ -6112,7 +6151,7 @@
     </p:spTree>
     <p:extLst>
       <p:ext uri="{BB962C8B-B14F-4D97-AF65-F5344CB8AC3E}">
-        <p14:creationId xmlns:p14="http://schemas.microsoft.com/office/powerpoint/2010/main" val="1684122813"/>
+        <p14:creationId xmlns:p14="http://schemas.microsoft.com/office/powerpoint/2010/main" val="2900776901"/>
       </p:ext>
     </p:extLst>
   </p:cSld>
@@ -6161,6 +6200,256 @@
           <a:p>
             <a:r>
               <a:rPr lang="en-US" dirty="0" smtClean="0"/>
+              <a:t>Feature Selection</a:t>
+            </a:r>
+            <a:endParaRPr lang="en-US" dirty="0"/>
+          </a:p>
+        </p:txBody>
+      </p:sp>
+      <p:sp>
+        <p:nvSpPr>
+          <p:cNvPr id="3" name="Content Placeholder 2"/>
+          <p:cNvSpPr>
+            <a:spLocks noGrp="1"/>
+          </p:cNvSpPr>
+          <p:nvPr>
+            <p:ph idx="1"/>
+          </p:nvPr>
+        </p:nvSpPr>
+        <p:spPr>
+          <a:xfrm>
+            <a:off x="677333" y="1293341"/>
+            <a:ext cx="8820893" cy="5165124"/>
+          </a:xfrm>
+        </p:spPr>
+        <p:txBody>
+          <a:bodyPr/>
+          <a:lstStyle/>
+          <a:p>
+            <a:endParaRPr lang="en-US" dirty="0"/>
+          </a:p>
+        </p:txBody>
+      </p:sp>
+    </p:spTree>
+    <p:extLst>
+      <p:ext uri="{BB962C8B-B14F-4D97-AF65-F5344CB8AC3E}">
+        <p14:creationId xmlns:p14="http://schemas.microsoft.com/office/powerpoint/2010/main" val="2486018049"/>
+      </p:ext>
+    </p:extLst>
+  </p:cSld>
+  <p:clrMapOvr>
+    <a:masterClrMapping/>
+  </p:clrMapOvr>
+</p:sld>
+</file>
+
+<file path=ppt/slides/slide13.xml><?xml version="1.0" encoding="utf-8"?>
+<p:sld xmlns:a="http://schemas.openxmlformats.org/drawingml/2006/main" xmlns:r="http://schemas.openxmlformats.org/officeDocument/2006/relationships" xmlns:p="http://schemas.openxmlformats.org/presentationml/2006/main">
+  <p:cSld>
+    <p:spTree>
+      <p:nvGrpSpPr>
+        <p:cNvPr id="1" name=""/>
+        <p:cNvGrpSpPr/>
+        <p:nvPr/>
+      </p:nvGrpSpPr>
+      <p:grpSpPr>
+        <a:xfrm>
+          <a:off x="0" y="0"/>
+          <a:ext cx="0" cy="0"/>
+          <a:chOff x="0" y="0"/>
+          <a:chExt cx="0" cy="0"/>
+        </a:xfrm>
+      </p:grpSpPr>
+      <p:sp>
+        <p:nvSpPr>
+          <p:cNvPr id="2" name="Title 1"/>
+          <p:cNvSpPr>
+            <a:spLocks noGrp="1"/>
+          </p:cNvSpPr>
+          <p:nvPr>
+            <p:ph type="title"/>
+          </p:nvPr>
+        </p:nvSpPr>
+        <p:spPr>
+          <a:xfrm>
+            <a:off x="677334" y="609600"/>
+            <a:ext cx="8596668" cy="683741"/>
+          </a:xfrm>
+        </p:spPr>
+        <p:txBody>
+          <a:bodyPr/>
+          <a:lstStyle/>
+          <a:p>
+            <a:r>
+              <a:rPr lang="en-US" dirty="0" smtClean="0"/>
+              <a:t>Model </a:t>
+            </a:r>
+            <a:r>
+              <a:rPr lang="en-US" dirty="0" err="1" smtClean="0"/>
+              <a:t>GridSearch</a:t>
+            </a:r>
+            <a:endParaRPr lang="en-US" dirty="0"/>
+          </a:p>
+        </p:txBody>
+      </p:sp>
+      <p:sp>
+        <p:nvSpPr>
+          <p:cNvPr id="3" name="Content Placeholder 2"/>
+          <p:cNvSpPr>
+            <a:spLocks noGrp="1"/>
+          </p:cNvSpPr>
+          <p:nvPr>
+            <p:ph idx="1"/>
+          </p:nvPr>
+        </p:nvSpPr>
+        <p:spPr>
+          <a:xfrm>
+            <a:off x="677333" y="1293341"/>
+            <a:ext cx="8820893" cy="5165124"/>
+          </a:xfrm>
+        </p:spPr>
+        <p:txBody>
+          <a:bodyPr/>
+          <a:lstStyle/>
+          <a:p>
+            <a:endParaRPr lang="en-US" dirty="0"/>
+          </a:p>
+        </p:txBody>
+      </p:sp>
+    </p:spTree>
+    <p:extLst>
+      <p:ext uri="{BB962C8B-B14F-4D97-AF65-F5344CB8AC3E}">
+        <p14:creationId xmlns:p14="http://schemas.microsoft.com/office/powerpoint/2010/main" val="344506565"/>
+      </p:ext>
+    </p:extLst>
+  </p:cSld>
+  <p:clrMapOvr>
+    <a:masterClrMapping/>
+  </p:clrMapOvr>
+</p:sld>
+</file>
+
+<file path=ppt/slides/slide14.xml><?xml version="1.0" encoding="utf-8"?>
+<p:sld xmlns:a="http://schemas.openxmlformats.org/drawingml/2006/main" xmlns:r="http://schemas.openxmlformats.org/officeDocument/2006/relationships" xmlns:p="http://schemas.openxmlformats.org/presentationml/2006/main">
+  <p:cSld>
+    <p:spTree>
+      <p:nvGrpSpPr>
+        <p:cNvPr id="1" name=""/>
+        <p:cNvGrpSpPr/>
+        <p:nvPr/>
+      </p:nvGrpSpPr>
+      <p:grpSpPr>
+        <a:xfrm>
+          <a:off x="0" y="0"/>
+          <a:ext cx="0" cy="0"/>
+          <a:chOff x="0" y="0"/>
+          <a:chExt cx="0" cy="0"/>
+        </a:xfrm>
+      </p:grpSpPr>
+      <p:sp>
+        <p:nvSpPr>
+          <p:cNvPr id="2" name="Title 1"/>
+          <p:cNvSpPr>
+            <a:spLocks noGrp="1"/>
+          </p:cNvSpPr>
+          <p:nvPr>
+            <p:ph type="title"/>
+          </p:nvPr>
+        </p:nvSpPr>
+        <p:spPr>
+          <a:xfrm>
+            <a:off x="677334" y="609600"/>
+            <a:ext cx="8596668" cy="683741"/>
+          </a:xfrm>
+        </p:spPr>
+        <p:txBody>
+          <a:bodyPr/>
+          <a:lstStyle/>
+          <a:p>
+            <a:r>
+              <a:rPr lang="en-US" dirty="0" smtClean="0"/>
+              <a:t>Conclusion</a:t>
+            </a:r>
+            <a:endParaRPr lang="en-US" dirty="0"/>
+          </a:p>
+        </p:txBody>
+      </p:sp>
+      <p:sp>
+        <p:nvSpPr>
+          <p:cNvPr id="3" name="Content Placeholder 2"/>
+          <p:cNvSpPr>
+            <a:spLocks noGrp="1"/>
+          </p:cNvSpPr>
+          <p:nvPr>
+            <p:ph idx="1"/>
+          </p:nvPr>
+        </p:nvSpPr>
+        <p:spPr>
+          <a:xfrm>
+            <a:off x="677333" y="1293341"/>
+            <a:ext cx="8820893" cy="5165124"/>
+          </a:xfrm>
+        </p:spPr>
+        <p:txBody>
+          <a:bodyPr/>
+          <a:lstStyle/>
+          <a:p>
+            <a:endParaRPr lang="en-US" dirty="0"/>
+          </a:p>
+        </p:txBody>
+      </p:sp>
+    </p:spTree>
+    <p:extLst>
+      <p:ext uri="{BB962C8B-B14F-4D97-AF65-F5344CB8AC3E}">
+        <p14:creationId xmlns:p14="http://schemas.microsoft.com/office/powerpoint/2010/main" val="1684122813"/>
+      </p:ext>
+    </p:extLst>
+  </p:cSld>
+  <p:clrMapOvr>
+    <a:masterClrMapping/>
+  </p:clrMapOvr>
+</p:sld>
+</file>
+
+<file path=ppt/slides/slide15.xml><?xml version="1.0" encoding="utf-8"?>
+<p:sld xmlns:a="http://schemas.openxmlformats.org/drawingml/2006/main" xmlns:r="http://schemas.openxmlformats.org/officeDocument/2006/relationships" xmlns:p="http://schemas.openxmlformats.org/presentationml/2006/main">
+  <p:cSld>
+    <p:spTree>
+      <p:nvGrpSpPr>
+        <p:cNvPr id="1" name=""/>
+        <p:cNvGrpSpPr/>
+        <p:nvPr/>
+      </p:nvGrpSpPr>
+      <p:grpSpPr>
+        <a:xfrm>
+          <a:off x="0" y="0"/>
+          <a:ext cx="0" cy="0"/>
+          <a:chOff x="0" y="0"/>
+          <a:chExt cx="0" cy="0"/>
+        </a:xfrm>
+      </p:grpSpPr>
+      <p:sp>
+        <p:nvSpPr>
+          <p:cNvPr id="2" name="Title 1"/>
+          <p:cNvSpPr>
+            <a:spLocks noGrp="1"/>
+          </p:cNvSpPr>
+          <p:nvPr>
+            <p:ph type="title"/>
+          </p:nvPr>
+        </p:nvSpPr>
+        <p:spPr>
+          <a:xfrm>
+            <a:off x="677334" y="609600"/>
+            <a:ext cx="8596668" cy="683741"/>
+          </a:xfrm>
+        </p:spPr>
+        <p:txBody>
+          <a:bodyPr/>
+          <a:lstStyle/>
+          <a:p>
+            <a:r>
+              <a:rPr lang="en-US" dirty="0" smtClean="0"/>
               <a:t>Further work</a:t>
             </a:r>
             <a:endParaRPr lang="en-US" dirty="0"/>
@@ -6204,7 +6493,7 @@
 </p:sld>
 </file>
 
-<file path=ppt/slides/slide13.xml><?xml version="1.0" encoding="utf-8"?>
+<file path=ppt/slides/slide16.xml><?xml version="1.0" encoding="utf-8"?>
 <p:sld xmlns:a="http://schemas.openxmlformats.org/drawingml/2006/main" xmlns:r="http://schemas.openxmlformats.org/officeDocument/2006/relationships" xmlns:p="http://schemas.openxmlformats.org/presentationml/2006/main">
   <p:cSld>
     <p:spTree>
@@ -6325,7 +6614,7 @@
           <a:p>
             <a:r>
               <a:rPr lang="en-US" dirty="0" smtClean="0"/>
-              <a:t>Problem and Target</a:t>
+              <a:t>The Problem</a:t>
             </a:r>
             <a:endParaRPr lang="en-US" dirty="0"/>
           </a:p>
@@ -6351,10 +6640,133 @@
           <a:bodyPr/>
           <a:lstStyle/>
           <a:p>
-            <a:endParaRPr lang="en-US" dirty="0"/>
-          </a:p>
-        </p:txBody>
-      </p:sp>
+            <a:pPr marL="0" indent="0">
+              <a:buNone/>
+            </a:pPr>
+            <a:endParaRPr lang="en-US" b="1" dirty="0" smtClean="0"/>
+          </a:p>
+          <a:p>
+            <a:pPr marL="0" indent="0">
+              <a:buNone/>
+            </a:pPr>
+            <a:r>
+              <a:rPr lang="en-US" b="1" dirty="0" smtClean="0"/>
+              <a:t>Motivation</a:t>
+            </a:r>
+            <a:r>
+              <a:rPr lang="en-US" dirty="0" smtClean="0"/>
+              <a:t>:</a:t>
+            </a:r>
+          </a:p>
+          <a:p>
+            <a:r>
+              <a:rPr lang="en-US" dirty="0" smtClean="0"/>
+              <a:t>As human beings speech is amongst the most natural way to express ourselves. We depend so much on it that we recognize its importance when resorting to other communication forms like emails and text messages where we often use </a:t>
+            </a:r>
+            <a:r>
+              <a:rPr lang="en-US" dirty="0" err="1" smtClean="0"/>
+              <a:t>emojis</a:t>
+            </a:r>
+            <a:r>
+              <a:rPr lang="en-US" dirty="0" smtClean="0"/>
+              <a:t> to express the emotions associated with the messages. As emotions play a vital role in communication, the detection and analysis of the same is of vital importance in today’s digital world of remote communication.</a:t>
+            </a:r>
+          </a:p>
+          <a:p>
+            <a:pPr marL="0" indent="0">
+              <a:buNone/>
+            </a:pPr>
+            <a:r>
+              <a:rPr lang="en-US" b="1" dirty="0" smtClean="0"/>
+              <a:t>Problem</a:t>
+            </a:r>
+            <a:r>
+              <a:rPr lang="en-US" dirty="0" smtClean="0"/>
+              <a:t>:</a:t>
+            </a:r>
+          </a:p>
+          <a:p>
+            <a:r>
+              <a:rPr lang="en-US" dirty="0" smtClean="0"/>
+              <a:t>Most humans have the natural abilities to recognize emotions from speech, but the problem is that in today’s digital world we need computers to do that job for us for many reasons. </a:t>
+            </a:r>
+            <a:r>
+              <a:rPr lang="en-US" dirty="0" smtClean="0"/>
+              <a:t>Human machine interaction is widely used nowadays in many applications. One of the medium of interaction is speech. </a:t>
+            </a:r>
+            <a:r>
+              <a:rPr lang="en-US" dirty="0" smtClean="0"/>
+              <a:t>Emotion can play an important role in decision making. If emotion can be recognized properly from speech then system can act accordingly.</a:t>
+            </a:r>
+            <a:endParaRPr lang="en-US" dirty="0"/>
+          </a:p>
+        </p:txBody>
+      </p:sp>
+      <p:pic>
+        <p:nvPicPr>
+          <p:cNvPr id="7" name="Picture 6"/>
+          <p:cNvPicPr>
+            <a:picLocks noChangeAspect="1"/>
+          </p:cNvPicPr>
+          <p:nvPr/>
+        </p:nvPicPr>
+        <p:blipFill>
+          <a:blip r:embed="rId2"/>
+          <a:stretch>
+            <a:fillRect/>
+          </a:stretch>
+        </p:blipFill>
+        <p:spPr>
+          <a:xfrm>
+            <a:off x="4545991" y="837428"/>
+            <a:ext cx="2540872" cy="776030"/>
+          </a:xfrm>
+          <a:prstGeom prst="rect">
+            <a:avLst/>
+          </a:prstGeom>
+        </p:spPr>
+      </p:pic>
+      <p:pic>
+        <p:nvPicPr>
+          <p:cNvPr id="2054" name="Picture 6" descr="‪Speech Emotion Recognition- Part 1 | by ANKIT KUMAR | Medium‬‏"/>
+          <p:cNvPicPr>
+            <a:picLocks noChangeAspect="1" noChangeArrowheads="1"/>
+          </p:cNvPicPr>
+          <p:nvPr/>
+        </p:nvPicPr>
+        <p:blipFill>
+          <a:blip r:embed="rId3">
+            <a:extLst>
+              <a:ext uri="{28A0092B-C50C-407E-A947-70E740481C1C}">
+                <a14:useLocalDpi xmlns:a14="http://schemas.microsoft.com/office/drawing/2010/main" val="0"/>
+              </a:ext>
+            </a:extLst>
+          </a:blip>
+          <a:srcRect/>
+          <a:stretch>
+            <a:fillRect/>
+          </a:stretch>
+        </p:blipFill>
+        <p:spPr bwMode="auto">
+          <a:xfrm>
+            <a:off x="7881551" y="563456"/>
+            <a:ext cx="3457575" cy="1323975"/>
+          </a:xfrm>
+          <a:prstGeom prst="rect">
+            <a:avLst/>
+          </a:prstGeom>
+          <a:noFill/>
+          <a:extLst>
+            <a:ext uri="{909E8E84-426E-40DD-AFC4-6F175D3DCCD1}">
+              <a14:hiddenFill xmlns:a14="http://schemas.microsoft.com/office/drawing/2010/main">
+                <a:solidFill>
+                  <a:srgbClr val="FFFFFF"/>
+                </a:solidFill>
+              </a14:hiddenFill>
+            </a:ext>
+          </a:extLst>
+        </p:spPr>
+      </p:pic>
     </p:spTree>
     <p:extLst>
       <p:ext uri="{BB962C8B-B14F-4D97-AF65-F5344CB8AC3E}">
@@ -6407,7 +6819,7 @@
           <a:p>
             <a:r>
               <a:rPr lang="en-US" dirty="0" smtClean="0"/>
-              <a:t>Data info</a:t>
+              <a:t>Applications</a:t>
             </a:r>
             <a:endParaRPr lang="en-US" dirty="0"/>
           </a:p>
@@ -6433,14 +6845,348 @@
           <a:bodyPr/>
           <a:lstStyle/>
           <a:p>
-            <a:endParaRPr lang="en-US" dirty="0"/>
-          </a:p>
-        </p:txBody>
-      </p:sp>
+            <a:r>
+              <a:rPr lang="en-US" dirty="0" smtClean="0"/>
+              <a:t>Customers satisfaction in Call </a:t>
+            </a:r>
+            <a:r>
+              <a:rPr lang="en-US" dirty="0" smtClean="0"/>
+              <a:t>Centers</a:t>
+            </a:r>
+          </a:p>
+          <a:p>
+            <a:r>
+              <a:rPr lang="en-US" dirty="0" smtClean="0"/>
+              <a:t>Job </a:t>
+            </a:r>
+            <a:r>
+              <a:rPr lang="en-US" dirty="0"/>
+              <a:t>satisfaction in Businesses and </a:t>
+            </a:r>
+            <a:r>
+              <a:rPr lang="en-US" dirty="0" smtClean="0"/>
+              <a:t>Corporations</a:t>
+            </a:r>
+          </a:p>
+          <a:p>
+            <a:pPr marL="0" indent="0">
+              <a:buNone/>
+            </a:pPr>
+            <a:endParaRPr lang="en-US" dirty="0"/>
+          </a:p>
+          <a:p>
+            <a:pPr marL="0" indent="0">
+              <a:buNone/>
+            </a:pPr>
+            <a:endParaRPr lang="en-US" dirty="0" smtClean="0"/>
+          </a:p>
+          <a:p>
+            <a:pPr marL="0" indent="0">
+              <a:buNone/>
+            </a:pPr>
+            <a:endParaRPr lang="en-US" dirty="0"/>
+          </a:p>
+          <a:p>
+            <a:r>
+              <a:rPr lang="en-US" dirty="0" smtClean="0"/>
+              <a:t>Suicide prevention in social media and violence detection</a:t>
+            </a:r>
+          </a:p>
+          <a:p>
+            <a:pPr marL="0" indent="0">
+              <a:buNone/>
+            </a:pPr>
+            <a:endParaRPr lang="en-US" dirty="0"/>
+          </a:p>
+          <a:p>
+            <a:pPr marL="0" indent="0">
+              <a:buNone/>
+            </a:pPr>
+            <a:endParaRPr lang="en-US" dirty="0" smtClean="0"/>
+          </a:p>
+          <a:p>
+            <a:pPr marL="0" indent="0">
+              <a:buNone/>
+            </a:pPr>
+            <a:endParaRPr lang="en-US" dirty="0" smtClean="0"/>
+          </a:p>
+          <a:p>
+            <a:r>
+              <a:rPr lang="en-US" dirty="0"/>
+              <a:t>Voice </a:t>
+            </a:r>
+            <a:r>
+              <a:rPr lang="en-US" dirty="0" smtClean="0"/>
+              <a:t>and Mental assistance</a:t>
+            </a:r>
+            <a:endParaRPr lang="en-US" dirty="0" smtClean="0"/>
+          </a:p>
+        </p:txBody>
+      </p:sp>
+      <p:pic>
+        <p:nvPicPr>
+          <p:cNvPr id="4100" name="Picture 4" descr="‪4 Ways to Improve Customer Satisfaction In a Call Center - EVS7‬‏"/>
+          <p:cNvPicPr>
+            <a:picLocks noChangeAspect="1" noChangeArrowheads="1"/>
+          </p:cNvPicPr>
+          <p:nvPr/>
+        </p:nvPicPr>
+        <p:blipFill>
+          <a:blip r:embed="rId2">
+            <a:extLst>
+              <a:ext uri="{28A0092B-C50C-407E-A947-70E740481C1C}">
+                <a14:useLocalDpi xmlns:a14="http://schemas.microsoft.com/office/drawing/2010/main" val="0"/>
+              </a:ext>
+            </a:extLst>
+          </a:blip>
+          <a:srcRect/>
+          <a:stretch>
+            <a:fillRect/>
+          </a:stretch>
+        </p:blipFill>
+        <p:spPr bwMode="auto">
+          <a:xfrm>
+            <a:off x="3709662" y="2135689"/>
+            <a:ext cx="2679858" cy="1074971"/>
+          </a:xfrm>
+          <a:prstGeom prst="rect">
+            <a:avLst/>
+          </a:prstGeom>
+          <a:noFill/>
+          <a:extLst>
+            <a:ext uri="{909E8E84-426E-40DD-AFC4-6F175D3DCCD1}">
+              <a14:hiddenFill xmlns:a14="http://schemas.microsoft.com/office/drawing/2010/main">
+                <a:solidFill>
+                  <a:srgbClr val="FFFFFF"/>
+                </a:solidFill>
+              </a14:hiddenFill>
+            </a:ext>
+          </a:extLst>
+        </p:spPr>
+      </p:pic>
+      <p:pic>
+        <p:nvPicPr>
+          <p:cNvPr id="7" name="Picture 6"/>
+          <p:cNvPicPr>
+            <a:picLocks noChangeAspect="1"/>
+          </p:cNvPicPr>
+          <p:nvPr/>
+        </p:nvPicPr>
+        <p:blipFill>
+          <a:blip r:embed="rId3"/>
+          <a:stretch>
+            <a:fillRect/>
+          </a:stretch>
+        </p:blipFill>
+        <p:spPr>
+          <a:xfrm>
+            <a:off x="1233702" y="2135690"/>
+            <a:ext cx="1919591" cy="1074971"/>
+          </a:xfrm>
+          <a:prstGeom prst="rect">
+            <a:avLst/>
+          </a:prstGeom>
+        </p:spPr>
+      </p:pic>
+      <p:pic>
+        <p:nvPicPr>
+          <p:cNvPr id="4104" name="Picture 8" descr="‪World Suicide Prevention Day: Social media influence increasing suicides‬‏"/>
+          <p:cNvPicPr>
+            <a:picLocks noChangeAspect="1" noChangeArrowheads="1"/>
+          </p:cNvPicPr>
+          <p:nvPr/>
+        </p:nvPicPr>
+        <p:blipFill>
+          <a:blip r:embed="rId4">
+            <a:extLst>
+              <a:ext uri="{28A0092B-C50C-407E-A947-70E740481C1C}">
+                <a14:useLocalDpi xmlns:a14="http://schemas.microsoft.com/office/drawing/2010/main" val="0"/>
+              </a:ext>
+            </a:extLst>
+          </a:blip>
+          <a:srcRect/>
+          <a:stretch>
+            <a:fillRect/>
+          </a:stretch>
+        </p:blipFill>
+        <p:spPr bwMode="auto">
+          <a:xfrm>
+            <a:off x="1233702" y="3727622"/>
+            <a:ext cx="1919591" cy="1078566"/>
+          </a:xfrm>
+          <a:prstGeom prst="rect">
+            <a:avLst/>
+          </a:prstGeom>
+          <a:noFill/>
+          <a:extLst>
+            <a:ext uri="{909E8E84-426E-40DD-AFC4-6F175D3DCCD1}">
+              <a14:hiddenFill xmlns:a14="http://schemas.microsoft.com/office/drawing/2010/main">
+                <a:solidFill>
+                  <a:srgbClr val="FFFFFF"/>
+                </a:solidFill>
+              </a14:hiddenFill>
+            </a:ext>
+          </a:extLst>
+        </p:spPr>
+      </p:pic>
+      <p:pic>
+        <p:nvPicPr>
+          <p:cNvPr id="9" name="Picture 8"/>
+          <p:cNvPicPr>
+            <a:picLocks noChangeAspect="1"/>
+          </p:cNvPicPr>
+          <p:nvPr/>
+        </p:nvPicPr>
+        <p:blipFill>
+          <a:blip r:embed="rId5"/>
+          <a:stretch>
+            <a:fillRect/>
+          </a:stretch>
+        </p:blipFill>
+        <p:spPr>
+          <a:xfrm>
+            <a:off x="3709662" y="3727623"/>
+            <a:ext cx="1628457" cy="1083664"/>
+          </a:xfrm>
+          <a:prstGeom prst="rect">
+            <a:avLst/>
+          </a:prstGeom>
+        </p:spPr>
+      </p:pic>
+      <p:pic>
+        <p:nvPicPr>
+          <p:cNvPr id="11" name="Picture 10"/>
+          <p:cNvPicPr>
+            <a:picLocks noChangeAspect="1"/>
+          </p:cNvPicPr>
+          <p:nvPr/>
+        </p:nvPicPr>
+        <p:blipFill>
+          <a:blip r:embed="rId6"/>
+          <a:stretch>
+            <a:fillRect/>
+          </a:stretch>
+        </p:blipFill>
+        <p:spPr>
+          <a:xfrm>
+            <a:off x="5894488" y="3727622"/>
+            <a:ext cx="1931458" cy="1081616"/>
+          </a:xfrm>
+          <a:prstGeom prst="rect">
+            <a:avLst/>
+          </a:prstGeom>
+        </p:spPr>
+      </p:pic>
+      <p:pic>
+        <p:nvPicPr>
+          <p:cNvPr id="13" name="Picture 12"/>
+          <p:cNvPicPr>
+            <a:picLocks noChangeAspect="1"/>
+          </p:cNvPicPr>
+          <p:nvPr/>
+        </p:nvPicPr>
+        <p:blipFill>
+          <a:blip r:embed="rId7"/>
+          <a:stretch>
+            <a:fillRect/>
+          </a:stretch>
+        </p:blipFill>
+        <p:spPr>
+          <a:xfrm>
+            <a:off x="1233702" y="5343526"/>
+            <a:ext cx="2374471" cy="1187236"/>
+          </a:xfrm>
+          <a:prstGeom prst="rect">
+            <a:avLst/>
+          </a:prstGeom>
+        </p:spPr>
+      </p:pic>
+      <p:pic>
+        <p:nvPicPr>
+          <p:cNvPr id="4112" name="Picture 16" descr="‪Amazon announces update to Alexa that lets it express emotions like  disappointment or excitement | Daily Mail Online‬‏"/>
+          <p:cNvPicPr>
+            <a:picLocks noChangeAspect="1" noChangeArrowheads="1"/>
+          </p:cNvPicPr>
+          <p:nvPr/>
+        </p:nvPicPr>
+        <p:blipFill>
+          <a:blip r:embed="rId8">
+            <a:extLst>
+              <a:ext uri="{28A0092B-C50C-407E-A947-70E740481C1C}">
+                <a14:useLocalDpi xmlns:a14="http://schemas.microsoft.com/office/drawing/2010/main" val="0"/>
+              </a:ext>
+            </a:extLst>
+          </a:blip>
+          <a:srcRect/>
+          <a:stretch>
+            <a:fillRect/>
+          </a:stretch>
+        </p:blipFill>
+        <p:spPr bwMode="auto">
+          <a:xfrm>
+            <a:off x="4164542" y="5343526"/>
+            <a:ext cx="3226563" cy="1114939"/>
+          </a:xfrm>
+          <a:prstGeom prst="rect">
+            <a:avLst/>
+          </a:prstGeom>
+          <a:noFill/>
+          <a:extLst>
+            <a:ext uri="{909E8E84-426E-40DD-AFC4-6F175D3DCCD1}">
+              <a14:hiddenFill xmlns:a14="http://schemas.microsoft.com/office/drawing/2010/main">
+                <a:solidFill>
+                  <a:srgbClr val="FFFFFF"/>
+                </a:solidFill>
+              </a14:hiddenFill>
+            </a:ext>
+          </a:extLst>
+        </p:spPr>
+      </p:pic>
+      <p:pic>
+        <p:nvPicPr>
+          <p:cNvPr id="4114" name="Picture 18" descr="‪Mental Health Support for Young People (16-26) in Stirling - Step Up Support‬‏"/>
+          <p:cNvPicPr>
+            <a:picLocks noChangeAspect="1" noChangeArrowheads="1"/>
+          </p:cNvPicPr>
+          <p:nvPr/>
+        </p:nvPicPr>
+        <p:blipFill>
+          <a:blip r:embed="rId9">
+            <a:extLst>
+              <a:ext uri="{28A0092B-C50C-407E-A947-70E740481C1C}">
+                <a14:useLocalDpi xmlns:a14="http://schemas.microsoft.com/office/drawing/2010/main" val="0"/>
+              </a:ext>
+            </a:extLst>
+          </a:blip>
+          <a:srcRect/>
+          <a:stretch>
+            <a:fillRect/>
+          </a:stretch>
+        </p:blipFill>
+        <p:spPr bwMode="auto">
+          <a:xfrm>
+            <a:off x="7947474" y="5343525"/>
+            <a:ext cx="2234494" cy="1117247"/>
+          </a:xfrm>
+          <a:prstGeom prst="rect">
+            <a:avLst/>
+          </a:prstGeom>
+          <a:noFill/>
+          <a:extLst>
+            <a:ext uri="{909E8E84-426E-40DD-AFC4-6F175D3DCCD1}">
+              <a14:hiddenFill xmlns:a14="http://schemas.microsoft.com/office/drawing/2010/main">
+                <a:solidFill>
+                  <a:srgbClr val="FFFFFF"/>
+                </a:solidFill>
+              </a14:hiddenFill>
+            </a:ext>
+          </a:extLst>
+        </p:spPr>
+      </p:pic>
     </p:spTree>
     <p:extLst>
       <p:ext uri="{BB962C8B-B14F-4D97-AF65-F5344CB8AC3E}">
-        <p14:creationId xmlns:p14="http://schemas.microsoft.com/office/powerpoint/2010/main" val="3432629129"/>
+        <p14:creationId xmlns:p14="http://schemas.microsoft.com/office/powerpoint/2010/main" val="4159147233"/>
       </p:ext>
     </p:extLst>
   </p:cSld>
@@ -6489,7 +7235,7 @@
           <a:p>
             <a:r>
               <a:rPr lang="en-US" dirty="0" smtClean="0"/>
-              <a:t>Speech Analysis</a:t>
+              <a:t>Solution and Target</a:t>
             </a:r>
             <a:endParaRPr lang="en-US" dirty="0"/>
           </a:p>
@@ -6515,14 +7261,318 @@
           <a:bodyPr/>
           <a:lstStyle/>
           <a:p>
-            <a:endParaRPr lang="en-US" dirty="0"/>
-          </a:p>
-        </p:txBody>
-      </p:sp>
+            <a:r>
+              <a:rPr lang="en-US" dirty="0"/>
+              <a:t>Our mission is to find out a classic machine learning classifier model to recognize the emotion type from audio speech sample (except NN</a:t>
+            </a:r>
+            <a:r>
+              <a:rPr lang="en-US" dirty="0" smtClean="0"/>
+              <a:t>)</a:t>
+            </a:r>
+          </a:p>
+          <a:p>
+            <a:r>
+              <a:rPr lang="en-US" dirty="0" smtClean="0"/>
+              <a:t>Recognition of basic e</a:t>
+            </a:r>
+            <a:r>
+              <a:rPr lang="en-US" dirty="0" smtClean="0"/>
+              <a:t>motion types for general purposes: </a:t>
+            </a:r>
+          </a:p>
+          <a:p>
+            <a:pPr marL="0" indent="0">
+              <a:buNone/>
+            </a:pPr>
+            <a:r>
+              <a:rPr lang="en-US" dirty="0"/>
+              <a:t>	</a:t>
+            </a:r>
+            <a:r>
+              <a:rPr lang="en-US" dirty="0" smtClean="0"/>
+              <a:t>Neutral, Happy, Sad, Fear, Disgust, Angry, Surprise</a:t>
+            </a:r>
+          </a:p>
+          <a:p>
+            <a:r>
+              <a:rPr lang="en-US" dirty="0" smtClean="0"/>
+              <a:t>We want to achieve as much highest Score as possible for each of type</a:t>
+            </a:r>
+          </a:p>
+          <a:p>
+            <a:r>
+              <a:rPr lang="en-US" dirty="0" smtClean="0"/>
+              <a:t>We need to find a Dataset that has all of these emotion types in as many variations as possible, with different gender, pitch, accent, age, sentences and clarity</a:t>
+            </a:r>
+          </a:p>
+          <a:p>
+            <a:r>
+              <a:rPr lang="en-US" dirty="0" smtClean="0"/>
+              <a:t>Our expectation target, is comparable to a referenced best projects in </a:t>
+            </a:r>
+            <a:r>
+              <a:rPr lang="en-US" dirty="0" err="1" smtClean="0"/>
+              <a:t>Kaggle</a:t>
+            </a:r>
+            <a:r>
+              <a:rPr lang="en-US" dirty="0" smtClean="0"/>
+              <a:t>:</a:t>
+            </a:r>
+          </a:p>
+          <a:p>
+            <a:endParaRPr lang="en-US" dirty="0"/>
+          </a:p>
+        </p:txBody>
+      </p:sp>
+      <p:pic>
+        <p:nvPicPr>
+          <p:cNvPr id="6" name="Picture 5"/>
+          <p:cNvPicPr>
+            <a:picLocks noChangeAspect="1"/>
+          </p:cNvPicPr>
+          <p:nvPr/>
+        </p:nvPicPr>
+        <p:blipFill>
+          <a:blip r:embed="rId2"/>
+          <a:stretch>
+            <a:fillRect/>
+          </a:stretch>
+        </p:blipFill>
+        <p:spPr>
+          <a:xfrm>
+            <a:off x="8723872" y="796184"/>
+            <a:ext cx="3188042" cy="2121497"/>
+          </a:xfrm>
+          <a:prstGeom prst="rect">
+            <a:avLst/>
+          </a:prstGeom>
+        </p:spPr>
+      </p:pic>
+      <p:graphicFrame>
+        <p:nvGraphicFramePr>
+          <p:cNvPr id="7" name="Table 6"/>
+          <p:cNvGraphicFramePr>
+            <a:graphicFrameLocks noGrp="1"/>
+          </p:cNvGraphicFramePr>
+          <p:nvPr>
+            <p:extLst>
+              <p:ext uri="{D42A27DB-BD31-4B8C-83A1-F6EECF244321}">
+                <p14:modId xmlns:p14="http://schemas.microsoft.com/office/powerpoint/2010/main" val="2620754689"/>
+              </p:ext>
+            </p:extLst>
+          </p:nvPr>
+        </p:nvGraphicFramePr>
+        <p:xfrm>
+          <a:off x="1146003" y="4542022"/>
+          <a:ext cx="8127999" cy="1483360"/>
+        </p:xfrm>
+        <a:graphic>
+          <a:graphicData uri="http://schemas.openxmlformats.org/drawingml/2006/table">
+            <a:tbl>
+              <a:tblPr firstRow="1" bandRow="1">
+                <a:tableStyleId>{B301B821-A1FF-4177-AEE7-76D212191A09}</a:tableStyleId>
+              </a:tblPr>
+              <a:tblGrid>
+                <a:gridCol w="2709333"/>
+                <a:gridCol w="2709333"/>
+                <a:gridCol w="2709333"/>
+              </a:tblGrid>
+              <a:tr h="370840">
+                <a:tc>
+                  <a:txBody>
+                    <a:bodyPr/>
+                    <a:lstStyle/>
+                    <a:p>
+                      <a:r>
+                        <a:rPr lang="en-US" dirty="0" smtClean="0"/>
+                        <a:t>Project</a:t>
+                      </a:r>
+                      <a:endParaRPr lang="en-US" dirty="0"/>
+                    </a:p>
+                  </a:txBody>
+                  <a:tcPr/>
+                </a:tc>
+                <a:tc>
+                  <a:txBody>
+                    <a:bodyPr/>
+                    <a:lstStyle/>
+                    <a:p>
+                      <a:r>
+                        <a:rPr lang="en-US" dirty="0" smtClean="0"/>
+                        <a:t>Model</a:t>
+                      </a:r>
+                      <a:endParaRPr lang="en-US" dirty="0"/>
+                    </a:p>
+                  </a:txBody>
+                  <a:tcPr/>
+                </a:tc>
+                <a:tc>
+                  <a:txBody>
+                    <a:bodyPr/>
+                    <a:lstStyle/>
+                    <a:p>
+                      <a:r>
+                        <a:rPr lang="en-US" dirty="0" smtClean="0"/>
+                        <a:t>Score</a:t>
+                      </a:r>
+                      <a:endParaRPr lang="en-US" dirty="0"/>
+                    </a:p>
+                  </a:txBody>
+                  <a:tcPr/>
+                </a:tc>
+              </a:tr>
+              <a:tr h="370840">
+                <a:tc>
+                  <a:txBody>
+                    <a:bodyPr/>
+                    <a:lstStyle/>
+                    <a:p>
+                      <a:r>
+                        <a:rPr lang="en-US" dirty="0" err="1" smtClean="0"/>
+                        <a:t>Kaggle</a:t>
+                      </a:r>
+                      <a:r>
+                        <a:rPr lang="en-US" dirty="0" smtClean="0"/>
+                        <a:t> project 1</a:t>
+                      </a:r>
+                      <a:endParaRPr lang="en-US" dirty="0"/>
+                    </a:p>
+                  </a:txBody>
+                  <a:tcPr/>
+                </a:tc>
+                <a:tc>
+                  <a:txBody>
+                    <a:bodyPr/>
+                    <a:lstStyle/>
+                    <a:p>
+                      <a:r>
+                        <a:rPr lang="en-US" dirty="0" smtClean="0"/>
+                        <a:t>Neural</a:t>
+                      </a:r>
+                      <a:r>
+                        <a:rPr lang="en-US" baseline="0" dirty="0" smtClean="0"/>
+                        <a:t> Network</a:t>
+                      </a:r>
+                      <a:endParaRPr lang="en-US" dirty="0"/>
+                    </a:p>
+                  </a:txBody>
+                  <a:tcPr/>
+                </a:tc>
+                <a:tc>
+                  <a:txBody>
+                    <a:bodyPr/>
+                    <a:lstStyle/>
+                    <a:p>
+                      <a:r>
+                        <a:rPr lang="en-US" dirty="0" smtClean="0"/>
+                        <a:t>~95%</a:t>
+                      </a:r>
+                      <a:endParaRPr lang="en-US" dirty="0"/>
+                    </a:p>
+                  </a:txBody>
+                  <a:tcPr/>
+                </a:tc>
+              </a:tr>
+              <a:tr h="370840">
+                <a:tc>
+                  <a:txBody>
+                    <a:bodyPr/>
+                    <a:lstStyle/>
+                    <a:p>
+                      <a:r>
+                        <a:rPr lang="en-US" dirty="0" err="1" smtClean="0"/>
+                        <a:t>Kaggle</a:t>
+                      </a:r>
+                      <a:r>
+                        <a:rPr lang="en-US" dirty="0" smtClean="0"/>
+                        <a:t> project 2</a:t>
+                      </a:r>
+                      <a:endParaRPr lang="en-US" dirty="0"/>
+                    </a:p>
+                  </a:txBody>
+                  <a:tcPr/>
+                </a:tc>
+                <a:tc>
+                  <a:txBody>
+                    <a:bodyPr/>
+                    <a:lstStyle/>
+                    <a:p>
+                      <a:r>
+                        <a:rPr lang="en-US" dirty="0" smtClean="0"/>
+                        <a:t>SVM</a:t>
+                      </a:r>
+                      <a:endParaRPr lang="en-US" dirty="0"/>
+                    </a:p>
+                  </a:txBody>
+                  <a:tcPr/>
+                </a:tc>
+                <a:tc>
+                  <a:txBody>
+                    <a:bodyPr/>
+                    <a:lstStyle/>
+                    <a:p>
+                      <a:r>
+                        <a:rPr lang="en-US" dirty="0" smtClean="0"/>
+                        <a:t>~61%</a:t>
+                      </a:r>
+                      <a:endParaRPr lang="en-US" dirty="0"/>
+                    </a:p>
+                  </a:txBody>
+                  <a:tcPr/>
+                </a:tc>
+              </a:tr>
+              <a:tr h="370840">
+                <a:tc>
+                  <a:txBody>
+                    <a:bodyPr/>
+                    <a:lstStyle/>
+                    <a:p>
+                      <a:r>
+                        <a:rPr lang="en-US" b="1" dirty="0" smtClean="0"/>
+                        <a:t>Our project target</a:t>
+                      </a:r>
+                      <a:endParaRPr lang="en-US" b="1" dirty="0"/>
+                    </a:p>
+                  </a:txBody>
+                  <a:tcPr/>
+                </a:tc>
+                <a:tc>
+                  <a:txBody>
+                    <a:bodyPr/>
+                    <a:lstStyle/>
+                    <a:p>
+                      <a:r>
+                        <a:rPr lang="en-US" b="1" dirty="0" smtClean="0"/>
+                        <a:t>Logistic Regression</a:t>
+                      </a:r>
+                      <a:endParaRPr lang="en-US" b="1" dirty="0"/>
+                    </a:p>
+                  </a:txBody>
+                  <a:tcPr/>
+                </a:tc>
+                <a:tc>
+                  <a:txBody>
+                    <a:bodyPr/>
+                    <a:lstStyle/>
+                    <a:p>
+                      <a:r>
+                        <a:rPr lang="en-US" b="1" dirty="0" smtClean="0"/>
+                        <a:t>70-80%</a:t>
+                      </a:r>
+                      <a:endParaRPr lang="en-US" b="1" dirty="0"/>
+                    </a:p>
+                  </a:txBody>
+                  <a:tcPr/>
+                </a:tc>
+              </a:tr>
+            </a:tbl>
+          </a:graphicData>
+        </a:graphic>
+      </p:graphicFrame>
     </p:spTree>
     <p:extLst>
       <p:ext uri="{BB962C8B-B14F-4D97-AF65-F5344CB8AC3E}">
-        <p14:creationId xmlns:p14="http://schemas.microsoft.com/office/powerpoint/2010/main" val="160193260"/>
+        <p14:creationId xmlns:p14="http://schemas.microsoft.com/office/powerpoint/2010/main" val="189268417"/>
       </p:ext>
     </p:extLst>
   </p:cSld>
@@ -6571,44 +7621,719 @@
           <a:p>
             <a:r>
               <a:rPr lang="en-US" dirty="0" smtClean="0"/>
-              <a:t>Audio Feature Extraction - </a:t>
-            </a:r>
-            <a:r>
-              <a:rPr lang="en-US" dirty="0" err="1" smtClean="0"/>
-              <a:t>intoduction</a:t>
-            </a:r>
-            <a:endParaRPr lang="en-US" dirty="0"/>
-          </a:p>
-        </p:txBody>
-      </p:sp>
-      <p:sp>
-        <p:nvSpPr>
-          <p:cNvPr id="3" name="Content Placeholder 2"/>
-          <p:cNvSpPr>
-            <a:spLocks noGrp="1"/>
-          </p:cNvSpPr>
-          <p:nvPr>
-            <p:ph idx="1"/>
-          </p:nvPr>
-        </p:nvSpPr>
-        <p:spPr>
-          <a:xfrm>
-            <a:off x="677333" y="1293341"/>
-            <a:ext cx="8820893" cy="5165124"/>
-          </a:xfrm>
-        </p:spPr>
-        <p:txBody>
-          <a:bodyPr/>
-          <a:lstStyle/>
-          <a:p>
-            <a:endParaRPr lang="en-US" dirty="0"/>
-          </a:p>
-        </p:txBody>
-      </p:sp>
+              <a:t>Data info</a:t>
+            </a:r>
+            <a:endParaRPr lang="en-US" dirty="0"/>
+          </a:p>
+        </p:txBody>
+      </p:sp>
+      <p:graphicFrame>
+        <p:nvGraphicFramePr>
+          <p:cNvPr id="4" name="Table 3"/>
+          <p:cNvGraphicFramePr>
+            <a:graphicFrameLocks noGrp="1"/>
+          </p:cNvGraphicFramePr>
+          <p:nvPr>
+            <p:extLst>
+              <p:ext uri="{D42A27DB-BD31-4B8C-83A1-F6EECF244321}">
+                <p14:modId xmlns:p14="http://schemas.microsoft.com/office/powerpoint/2010/main" val="2384299843"/>
+              </p:ext>
+            </p:extLst>
+          </p:nvPr>
+        </p:nvGraphicFramePr>
+        <p:xfrm>
+          <a:off x="411890" y="1408670"/>
+          <a:ext cx="11162270" cy="4902337"/>
+        </p:xfrm>
+        <a:graphic>
+          <a:graphicData uri="http://schemas.openxmlformats.org/drawingml/2006/table">
+            <a:tbl>
+              <a:tblPr firstRow="1" bandRow="1">
+                <a:tableStyleId>{5C22544A-7EE6-4342-B048-85BDC9FD1C3A}</a:tableStyleId>
+              </a:tblPr>
+              <a:tblGrid>
+                <a:gridCol w="2265407"/>
+                <a:gridCol w="2084173"/>
+                <a:gridCol w="2117124"/>
+                <a:gridCol w="2463112"/>
+                <a:gridCol w="2232454"/>
+              </a:tblGrid>
+              <a:tr h="348218">
+                <a:tc>
+                  <a:txBody>
+                    <a:bodyPr/>
+                    <a:lstStyle/>
+                    <a:p>
+                      <a:endParaRPr lang="en-US" dirty="0"/>
+                    </a:p>
+                  </a:txBody>
+                  <a:tcPr/>
+                </a:tc>
+                <a:tc>
+                  <a:txBody>
+                    <a:bodyPr/>
+                    <a:lstStyle/>
+                    <a:p>
+                      <a:r>
+                        <a:rPr lang="en-US" dirty="0" smtClean="0"/>
+                        <a:t>RAVDESS</a:t>
+                      </a:r>
+                      <a:endParaRPr lang="en-US" dirty="0"/>
+                    </a:p>
+                  </a:txBody>
+                  <a:tcPr/>
+                </a:tc>
+                <a:tc>
+                  <a:txBody>
+                    <a:bodyPr/>
+                    <a:lstStyle/>
+                    <a:p>
+                      <a:r>
+                        <a:rPr lang="en-US" dirty="0" smtClean="0"/>
+                        <a:t>TESS</a:t>
+                      </a:r>
+                      <a:endParaRPr lang="en-US" dirty="0"/>
+                    </a:p>
+                  </a:txBody>
+                  <a:tcPr/>
+                </a:tc>
+                <a:tc>
+                  <a:txBody>
+                    <a:bodyPr/>
+                    <a:lstStyle/>
+                    <a:p>
+                      <a:r>
+                        <a:rPr lang="en-US" dirty="0" smtClean="0"/>
+                        <a:t>CREMA-D</a:t>
+                      </a:r>
+                      <a:endParaRPr lang="en-US" dirty="0"/>
+                    </a:p>
+                  </a:txBody>
+                  <a:tcPr/>
+                </a:tc>
+                <a:tc>
+                  <a:txBody>
+                    <a:bodyPr/>
+                    <a:lstStyle/>
+                    <a:p>
+                      <a:r>
+                        <a:rPr lang="en-US" dirty="0" smtClean="0"/>
+                        <a:t>SAVEE</a:t>
+                      </a:r>
+                      <a:endParaRPr lang="en-US" dirty="0"/>
+                    </a:p>
+                  </a:txBody>
+                  <a:tcPr/>
+                </a:tc>
+              </a:tr>
+              <a:tr h="426225">
+                <a:tc>
+                  <a:txBody>
+                    <a:bodyPr/>
+                    <a:lstStyle/>
+                    <a:p>
+                      <a:r>
+                        <a:rPr lang="en-US" b="1" dirty="0" smtClean="0"/>
+                        <a:t>Actors</a:t>
+                      </a:r>
+                      <a:endParaRPr lang="en-US" b="1" dirty="0"/>
+                    </a:p>
+                  </a:txBody>
+                  <a:tcPr/>
+                </a:tc>
+                <a:tc>
+                  <a:txBody>
+                    <a:bodyPr/>
+                    <a:lstStyle/>
+                    <a:p>
+                      <a:r>
+                        <a:rPr lang="en-US" dirty="0" smtClean="0"/>
+                        <a:t>12 Male, 12 Female</a:t>
+                      </a:r>
+                      <a:endParaRPr lang="en-US" dirty="0"/>
+                    </a:p>
+                  </a:txBody>
+                  <a:tcPr/>
+                </a:tc>
+                <a:tc>
+                  <a:txBody>
+                    <a:bodyPr/>
+                    <a:lstStyle/>
+                    <a:p>
+                      <a:r>
+                        <a:rPr lang="en-US" dirty="0" smtClean="0"/>
+                        <a:t>2 Female</a:t>
+                      </a:r>
+                      <a:endParaRPr lang="en-US" dirty="0"/>
+                    </a:p>
+                  </a:txBody>
+                  <a:tcPr/>
+                </a:tc>
+                <a:tc>
+                  <a:txBody>
+                    <a:bodyPr/>
+                    <a:lstStyle/>
+                    <a:p>
+                      <a:r>
+                        <a:rPr lang="en-US" dirty="0" smtClean="0"/>
+                        <a:t>48 Male,</a:t>
+                      </a:r>
+                      <a:r>
+                        <a:rPr lang="en-US" baseline="0" dirty="0" smtClean="0"/>
+                        <a:t> 43 Female</a:t>
+                      </a:r>
+                      <a:endParaRPr lang="en-US" dirty="0"/>
+                    </a:p>
+                  </a:txBody>
+                  <a:tcPr/>
+                </a:tc>
+                <a:tc>
+                  <a:txBody>
+                    <a:bodyPr/>
+                    <a:lstStyle/>
+                    <a:p>
+                      <a:r>
+                        <a:rPr lang="en-US" dirty="0" smtClean="0"/>
+                        <a:t>4 Males</a:t>
+                      </a:r>
+                      <a:endParaRPr lang="en-US" dirty="0"/>
+                    </a:p>
+                  </a:txBody>
+                  <a:tcPr/>
+                </a:tc>
+              </a:tr>
+              <a:tr h="348218">
+                <a:tc>
+                  <a:txBody>
+                    <a:bodyPr/>
+                    <a:lstStyle/>
+                    <a:p>
+                      <a:r>
+                        <a:rPr lang="en-US" b="1" dirty="0" smtClean="0"/>
+                        <a:t>Ages</a:t>
+                      </a:r>
+                      <a:endParaRPr lang="en-US" b="1" dirty="0"/>
+                    </a:p>
+                  </a:txBody>
+                  <a:tcPr/>
+                </a:tc>
+                <a:tc>
+                  <a:txBody>
+                    <a:bodyPr/>
+                    <a:lstStyle/>
+                    <a:p>
+                      <a:r>
+                        <a:rPr lang="en-US" sz="1800" b="0" i="0" kern="1200" dirty="0" smtClean="0">
+                          <a:solidFill>
+                            <a:schemeClr val="dk1"/>
+                          </a:solidFill>
+                          <a:effectLst/>
+                          <a:latin typeface="+mn-lt"/>
+                          <a:ea typeface="+mn-ea"/>
+                          <a:cs typeface="+mn-cs"/>
+                        </a:rPr>
+                        <a:t>Unspecified</a:t>
+                      </a:r>
+                      <a:endParaRPr lang="en-US" dirty="0"/>
+                    </a:p>
+                  </a:txBody>
+                  <a:tcPr/>
+                </a:tc>
+                <a:tc>
+                  <a:txBody>
+                    <a:bodyPr/>
+                    <a:lstStyle/>
+                    <a:p>
+                      <a:r>
+                        <a:rPr lang="en-US" dirty="0" smtClean="0"/>
+                        <a:t>26, 64</a:t>
+                      </a:r>
+                      <a:endParaRPr lang="en-US" dirty="0"/>
+                    </a:p>
+                  </a:txBody>
+                  <a:tcPr/>
+                </a:tc>
+                <a:tc>
+                  <a:txBody>
+                    <a:bodyPr/>
+                    <a:lstStyle/>
+                    <a:p>
+                      <a:r>
+                        <a:rPr lang="en-US" dirty="0" smtClean="0"/>
+                        <a:t>20-74</a:t>
+                      </a:r>
+                      <a:endParaRPr lang="en-US" dirty="0"/>
+                    </a:p>
+                  </a:txBody>
+                  <a:tcPr/>
+                </a:tc>
+                <a:tc>
+                  <a:txBody>
+                    <a:bodyPr/>
+                    <a:lstStyle/>
+                    <a:p>
+                      <a:r>
+                        <a:rPr lang="en-US" dirty="0" smtClean="0"/>
+                        <a:t>27-31</a:t>
+                      </a:r>
+                      <a:endParaRPr lang="en-US" dirty="0"/>
+                    </a:p>
+                  </a:txBody>
+                  <a:tcPr/>
+                </a:tc>
+              </a:tr>
+              <a:tr h="390197">
+                <a:tc>
+                  <a:txBody>
+                    <a:bodyPr/>
+                    <a:lstStyle/>
+                    <a:p>
+                      <a:r>
+                        <a:rPr lang="en-US" b="1" dirty="0" smtClean="0"/>
+                        <a:t>Lexical statements</a:t>
+                      </a:r>
+                      <a:endParaRPr lang="en-US" b="1" dirty="0"/>
+                    </a:p>
+                  </a:txBody>
+                  <a:tcPr/>
+                </a:tc>
+                <a:tc>
+                  <a:txBody>
+                    <a:bodyPr/>
+                    <a:lstStyle/>
+                    <a:p>
+                      <a:r>
+                        <a:rPr lang="en-US" dirty="0" smtClean="0"/>
+                        <a:t>2</a:t>
+                      </a:r>
+                      <a:endParaRPr lang="en-US" dirty="0"/>
+                    </a:p>
+                  </a:txBody>
+                  <a:tcPr/>
+                </a:tc>
+                <a:tc>
+                  <a:txBody>
+                    <a:bodyPr/>
+                    <a:lstStyle/>
+                    <a:p>
+                      <a:r>
+                        <a:rPr lang="en-US" dirty="0" smtClean="0"/>
+                        <a:t>200</a:t>
+                      </a:r>
+                      <a:endParaRPr lang="en-US" dirty="0"/>
+                    </a:p>
+                  </a:txBody>
+                  <a:tcPr/>
+                </a:tc>
+                <a:tc>
+                  <a:txBody>
+                    <a:bodyPr/>
+                    <a:lstStyle/>
+                    <a:p>
+                      <a:r>
+                        <a:rPr lang="en-US" dirty="0" smtClean="0"/>
+                        <a:t>12</a:t>
+                      </a:r>
+                      <a:endParaRPr lang="en-US" dirty="0"/>
+                    </a:p>
+                  </a:txBody>
+                  <a:tcPr/>
+                </a:tc>
+                <a:tc>
+                  <a:txBody>
+                    <a:bodyPr/>
+                    <a:lstStyle/>
+                    <a:p>
+                      <a:r>
+                        <a:rPr lang="en-US" dirty="0" smtClean="0"/>
+                        <a:t>15</a:t>
+                      </a:r>
+                      <a:endParaRPr lang="en-US" dirty="0"/>
+                    </a:p>
+                  </a:txBody>
+                  <a:tcPr/>
+                </a:tc>
+              </a:tr>
+              <a:tr h="609381">
+                <a:tc>
+                  <a:txBody>
+                    <a:bodyPr/>
+                    <a:lstStyle/>
+                    <a:p>
+                      <a:r>
+                        <a:rPr lang="en-US" b="1" dirty="0" smtClean="0"/>
+                        <a:t>Accent</a:t>
+                      </a:r>
+                      <a:endParaRPr lang="en-US" b="1" dirty="0"/>
+                    </a:p>
+                  </a:txBody>
+                  <a:tcPr/>
+                </a:tc>
+                <a:tc>
+                  <a:txBody>
+                    <a:bodyPr/>
+                    <a:lstStyle/>
+                    <a:p>
+                      <a:r>
+                        <a:rPr lang="en-US" dirty="0" smtClean="0"/>
+                        <a:t>Neutral North American</a:t>
+                      </a:r>
+                      <a:endParaRPr lang="en-US" dirty="0"/>
+                    </a:p>
+                  </a:txBody>
+                  <a:tcPr/>
+                </a:tc>
+                <a:tc>
+                  <a:txBody>
+                    <a:bodyPr/>
+                    <a:lstStyle/>
+                    <a:p>
+                      <a:r>
+                        <a:rPr lang="en-US" sz="1800" b="0" i="0" kern="1200" dirty="0" smtClean="0">
+                          <a:solidFill>
+                            <a:schemeClr val="dk1"/>
+                          </a:solidFill>
+                          <a:effectLst/>
+                          <a:latin typeface="+mn-lt"/>
+                          <a:ea typeface="+mn-ea"/>
+                          <a:cs typeface="+mn-cs"/>
+                        </a:rPr>
+                        <a:t>Unspecified</a:t>
+                      </a:r>
+                      <a:endParaRPr lang="en-US" dirty="0"/>
+                    </a:p>
+                  </a:txBody>
+                  <a:tcPr/>
+                </a:tc>
+                <a:tc>
+                  <a:txBody>
+                    <a:bodyPr/>
+                    <a:lstStyle/>
+                    <a:p>
+                      <a:r>
+                        <a:rPr lang="en-US" sz="1800" b="0" i="0" kern="1200" dirty="0" smtClean="0">
+                          <a:solidFill>
+                            <a:schemeClr val="dk1"/>
+                          </a:solidFill>
+                          <a:effectLst/>
+                          <a:latin typeface="+mn-lt"/>
+                          <a:ea typeface="+mn-ea"/>
+                          <a:cs typeface="+mn-cs"/>
+                        </a:rPr>
+                        <a:t>African America, Asian, Caucasian, Hispanic,</a:t>
+                      </a:r>
+                      <a:r>
+                        <a:rPr lang="en-US" sz="1800" b="0" i="0" kern="1200" baseline="0" dirty="0" smtClean="0">
+                          <a:solidFill>
+                            <a:schemeClr val="dk1"/>
+                          </a:solidFill>
+                          <a:effectLst/>
+                          <a:latin typeface="+mn-lt"/>
+                          <a:ea typeface="+mn-ea"/>
+                          <a:cs typeface="+mn-cs"/>
+                        </a:rPr>
+                        <a:t> </a:t>
+                      </a:r>
+                      <a:r>
+                        <a:rPr lang="en-US" sz="1800" b="0" i="0" kern="1200" dirty="0" smtClean="0">
+                          <a:solidFill>
+                            <a:schemeClr val="dk1"/>
+                          </a:solidFill>
+                          <a:effectLst/>
+                          <a:latin typeface="+mn-lt"/>
+                          <a:ea typeface="+mn-ea"/>
+                          <a:cs typeface="+mn-cs"/>
+                        </a:rPr>
+                        <a:t>Unspecified</a:t>
+                      </a:r>
+                      <a:endParaRPr lang="en-US" dirty="0"/>
+                    </a:p>
+                  </a:txBody>
+                  <a:tcPr/>
+                </a:tc>
+                <a:tc>
+                  <a:txBody>
+                    <a:bodyPr/>
+                    <a:lstStyle/>
+                    <a:p>
+                      <a:r>
+                        <a:rPr lang="en-US" dirty="0" smtClean="0"/>
+                        <a:t>English</a:t>
+                      </a:r>
+                      <a:endParaRPr lang="en-US" dirty="0"/>
+                    </a:p>
+                  </a:txBody>
+                  <a:tcPr/>
+                </a:tc>
+              </a:tr>
+              <a:tr h="1220300">
+                <a:tc>
+                  <a:txBody>
+                    <a:bodyPr/>
+                    <a:lstStyle/>
+                    <a:p>
+                      <a:r>
+                        <a:rPr lang="en-US" b="1" dirty="0" smtClean="0"/>
+                        <a:t>Emotion types</a:t>
+                      </a:r>
+                      <a:endParaRPr lang="en-US" b="1" dirty="0"/>
+                    </a:p>
+                  </a:txBody>
+                  <a:tcPr/>
+                </a:tc>
+                <a:tc>
+                  <a:txBody>
+                    <a:bodyPr/>
+                    <a:lstStyle/>
+                    <a:p>
+                      <a:r>
+                        <a:rPr lang="en-US" dirty="0" smtClean="0"/>
+                        <a:t>neutral, calm,  happy, sad, angry, fearful, surprise, disgust</a:t>
+                      </a:r>
+                      <a:endParaRPr lang="en-US" dirty="0"/>
+                    </a:p>
+                  </a:txBody>
+                  <a:tcPr/>
+                </a:tc>
+                <a:tc>
+                  <a:txBody>
+                    <a:bodyPr/>
+                    <a:lstStyle/>
+                    <a:p>
+                      <a:r>
+                        <a:rPr lang="en-US" dirty="0" smtClean="0"/>
+                        <a:t>anger, disgust, fear, happiness, pleasant surprise, sadness, neutral</a:t>
+                      </a:r>
+                      <a:endParaRPr lang="en-US" dirty="0"/>
+                    </a:p>
+                  </a:txBody>
+                  <a:tcPr/>
+                </a:tc>
+                <a:tc>
+                  <a:txBody>
+                    <a:bodyPr/>
+                    <a:lstStyle/>
+                    <a:p>
+                      <a:r>
+                        <a:rPr lang="en-US" sz="1800" b="0" i="0" kern="1200" dirty="0" smtClean="0">
+                          <a:solidFill>
+                            <a:schemeClr val="dk1"/>
+                          </a:solidFill>
+                          <a:effectLst/>
+                          <a:latin typeface="+mn-lt"/>
+                          <a:ea typeface="+mn-ea"/>
+                          <a:cs typeface="+mn-cs"/>
+                        </a:rPr>
+                        <a:t>Anger, Disgust, Fear, Happy, Neutral, Sad</a:t>
+                      </a:r>
+                      <a:endParaRPr lang="en-US" dirty="0"/>
+                    </a:p>
+                  </a:txBody>
+                  <a:tcPr/>
+                </a:tc>
+                <a:tc>
+                  <a:txBody>
+                    <a:bodyPr/>
+                    <a:lstStyle/>
+                    <a:p>
+                      <a:r>
+                        <a:rPr lang="en-US" sz="1800" b="0" i="0" kern="1200" dirty="0" smtClean="0">
+                          <a:solidFill>
+                            <a:schemeClr val="dk1"/>
+                          </a:solidFill>
+                          <a:effectLst/>
+                          <a:latin typeface="+mn-lt"/>
+                          <a:ea typeface="+mn-ea"/>
+                          <a:cs typeface="+mn-cs"/>
+                        </a:rPr>
+                        <a:t>anger, disgust, fear, happiness, sadness surprise,</a:t>
+                      </a:r>
+                      <a:r>
+                        <a:rPr lang="en-US" dirty="0" smtClean="0"/>
+                        <a:t> neutral</a:t>
+                      </a:r>
+                      <a:endParaRPr lang="en-US" dirty="0"/>
+                    </a:p>
+                  </a:txBody>
+                  <a:tcPr/>
+                </a:tc>
+              </a:tr>
+              <a:tr h="408945">
+                <a:tc>
+                  <a:txBody>
+                    <a:bodyPr/>
+                    <a:lstStyle/>
+                    <a:p>
+                      <a:r>
+                        <a:rPr lang="en-US" b="1" dirty="0" smtClean="0"/>
+                        <a:t>Emotion intensity</a:t>
+                      </a:r>
+                      <a:endParaRPr lang="en-US" b="1" dirty="0"/>
+                    </a:p>
+                  </a:txBody>
+                  <a:tcPr/>
+                </a:tc>
+                <a:tc>
+                  <a:txBody>
+                    <a:bodyPr/>
+                    <a:lstStyle/>
+                    <a:p>
+                      <a:r>
+                        <a:rPr lang="en-US" dirty="0" smtClean="0"/>
+                        <a:t>normal, strong</a:t>
+                      </a:r>
+                      <a:endParaRPr lang="en-US" dirty="0"/>
+                    </a:p>
+                  </a:txBody>
+                  <a:tcPr/>
+                </a:tc>
+                <a:tc>
+                  <a:txBody>
+                    <a:bodyPr/>
+                    <a:lstStyle/>
+                    <a:p>
+                      <a:r>
+                        <a:rPr lang="en-US" sz="1800" b="0" i="0" kern="1200" dirty="0" smtClean="0">
+                          <a:solidFill>
+                            <a:schemeClr val="dk1"/>
+                          </a:solidFill>
+                          <a:effectLst/>
+                          <a:latin typeface="+mn-lt"/>
+                          <a:ea typeface="+mn-ea"/>
+                          <a:cs typeface="+mn-cs"/>
+                        </a:rPr>
+                        <a:t>Unspecified</a:t>
+                      </a:r>
+                      <a:endParaRPr lang="en-US" dirty="0"/>
+                    </a:p>
+                  </a:txBody>
+                  <a:tcPr/>
+                </a:tc>
+                <a:tc>
+                  <a:txBody>
+                    <a:bodyPr/>
+                    <a:lstStyle/>
+                    <a:p>
+                      <a:r>
+                        <a:rPr lang="en-US" sz="1800" b="0" i="0" kern="1200" dirty="0" smtClean="0">
+                          <a:solidFill>
+                            <a:schemeClr val="dk1"/>
+                          </a:solidFill>
+                          <a:effectLst/>
+                          <a:latin typeface="+mn-lt"/>
+                          <a:ea typeface="+mn-ea"/>
+                          <a:cs typeface="+mn-cs"/>
+                        </a:rPr>
+                        <a:t>Low, Medium, High, Unspecified</a:t>
+                      </a:r>
+                      <a:endParaRPr lang="en-US" dirty="0"/>
+                    </a:p>
+                  </a:txBody>
+                  <a:tcPr/>
+                </a:tc>
+                <a:tc>
+                  <a:txBody>
+                    <a:bodyPr/>
+                    <a:lstStyle/>
+                    <a:p>
+                      <a:r>
+                        <a:rPr lang="en-US" sz="1800" b="0" i="0" kern="1200" dirty="0" smtClean="0">
+                          <a:solidFill>
+                            <a:schemeClr val="dk1"/>
+                          </a:solidFill>
+                          <a:effectLst/>
+                          <a:latin typeface="+mn-lt"/>
+                          <a:ea typeface="+mn-ea"/>
+                          <a:cs typeface="+mn-cs"/>
+                        </a:rPr>
+                        <a:t>Unspecified</a:t>
+                      </a:r>
+                      <a:endParaRPr lang="en-US" dirty="0"/>
+                    </a:p>
+                  </a:txBody>
+                  <a:tcPr/>
+                </a:tc>
+              </a:tr>
+              <a:tr h="362715">
+                <a:tc>
+                  <a:txBody>
+                    <a:bodyPr/>
+                    <a:lstStyle/>
+                    <a:p>
+                      <a:r>
+                        <a:rPr lang="en-US" b="1" dirty="0" smtClean="0"/>
+                        <a:t>Total samples</a:t>
+                      </a:r>
+                      <a:endParaRPr lang="en-US" b="1" dirty="0"/>
+                    </a:p>
+                  </a:txBody>
+                  <a:tcPr/>
+                </a:tc>
+                <a:tc>
+                  <a:txBody>
+                    <a:bodyPr/>
+                    <a:lstStyle/>
+                    <a:p>
+                      <a:r>
+                        <a:rPr lang="en-US" dirty="0" smtClean="0"/>
+                        <a:t>1440</a:t>
+                      </a:r>
+                      <a:endParaRPr lang="en-US" dirty="0"/>
+                    </a:p>
+                  </a:txBody>
+                  <a:tcPr/>
+                </a:tc>
+                <a:tc>
+                  <a:txBody>
+                    <a:bodyPr/>
+                    <a:lstStyle/>
+                    <a:p>
+                      <a:r>
+                        <a:rPr lang="en-US" dirty="0" smtClean="0"/>
+                        <a:t>2800</a:t>
+                      </a:r>
+                      <a:endParaRPr lang="en-US" dirty="0"/>
+                    </a:p>
+                  </a:txBody>
+                  <a:tcPr/>
+                </a:tc>
+                <a:tc>
+                  <a:txBody>
+                    <a:bodyPr/>
+                    <a:lstStyle/>
+                    <a:p>
+                      <a:r>
+                        <a:rPr lang="en-US" dirty="0" smtClean="0"/>
+                        <a:t>74420</a:t>
+                      </a:r>
+                      <a:endParaRPr lang="en-US" dirty="0"/>
+                    </a:p>
+                  </a:txBody>
+                  <a:tcPr/>
+                </a:tc>
+                <a:tc>
+                  <a:txBody>
+                    <a:bodyPr/>
+                    <a:lstStyle/>
+                    <a:p>
+                      <a:r>
+                        <a:rPr lang="en-US" dirty="0" smtClean="0"/>
+                        <a:t>480</a:t>
+                      </a:r>
+                      <a:endParaRPr lang="en-US" dirty="0"/>
+                    </a:p>
+                  </a:txBody>
+                  <a:tcPr/>
+                </a:tc>
+              </a:tr>
+            </a:tbl>
+          </a:graphicData>
+        </a:graphic>
+      </p:graphicFrame>
     </p:spTree>
     <p:extLst>
       <p:ext uri="{BB962C8B-B14F-4D97-AF65-F5344CB8AC3E}">
-        <p14:creationId xmlns:p14="http://schemas.microsoft.com/office/powerpoint/2010/main" val="572938035"/>
+        <p14:creationId xmlns:p14="http://schemas.microsoft.com/office/powerpoint/2010/main" val="3432629129"/>
       </p:ext>
     </p:extLst>
   </p:cSld>
@@ -6657,40 +8382,1046 @@
           <a:p>
             <a:r>
               <a:rPr lang="en-US" dirty="0" smtClean="0"/>
-              <a:t>Feature Extraction</a:t>
-            </a:r>
-            <a:endParaRPr lang="en-US" dirty="0"/>
-          </a:p>
-        </p:txBody>
-      </p:sp>
-      <p:sp>
-        <p:nvSpPr>
-          <p:cNvPr id="3" name="Content Placeholder 2"/>
-          <p:cNvSpPr>
-            <a:spLocks noGrp="1"/>
-          </p:cNvSpPr>
-          <p:nvPr>
-            <p:ph idx="1"/>
-          </p:nvPr>
-        </p:nvSpPr>
-        <p:spPr>
-          <a:xfrm>
-            <a:off x="677333" y="1293341"/>
-            <a:ext cx="8820893" cy="5165124"/>
-          </a:xfrm>
-        </p:spPr>
-        <p:txBody>
-          <a:bodyPr/>
-          <a:lstStyle/>
-          <a:p>
-            <a:endParaRPr lang="en-US" dirty="0"/>
-          </a:p>
-        </p:txBody>
-      </p:sp>
+              <a:t>System Block Diagram</a:t>
+            </a:r>
+            <a:endParaRPr lang="en-US" dirty="0"/>
+          </a:p>
+        </p:txBody>
+      </p:sp>
+      <p:sp>
+        <p:nvSpPr>
+          <p:cNvPr id="4" name="Rounded Rectangle 3"/>
+          <p:cNvSpPr/>
+          <p:nvPr/>
+        </p:nvSpPr>
+        <p:spPr>
+          <a:xfrm>
+            <a:off x="2479589" y="1545663"/>
+            <a:ext cx="2561968" cy="578074"/>
+          </a:xfrm>
+          <a:prstGeom prst="roundRect">
+            <a:avLst/>
+          </a:prstGeom>
+        </p:spPr>
+        <p:style>
+          <a:lnRef idx="2">
+            <a:schemeClr val="accent1"/>
+          </a:lnRef>
+          <a:fillRef idx="1">
+            <a:schemeClr val="lt1"/>
+          </a:fillRef>
+          <a:effectRef idx="0">
+            <a:schemeClr val="accent1"/>
+          </a:effectRef>
+          <a:fontRef idx="minor">
+            <a:schemeClr val="dk1"/>
+          </a:fontRef>
+        </p:style>
+        <p:txBody>
+          <a:bodyPr rtlCol="0" anchor="ctr"/>
+          <a:lstStyle/>
+          <a:p>
+            <a:pPr algn="ctr"/>
+            <a:r>
+              <a:rPr lang="en-US" dirty="0" smtClean="0"/>
+              <a:t>Speech Audio Dataset</a:t>
+            </a:r>
+            <a:endParaRPr lang="en-US" dirty="0"/>
+          </a:p>
+        </p:txBody>
+      </p:sp>
+      <p:sp>
+        <p:nvSpPr>
+          <p:cNvPr id="5" name="Rounded Rectangle 4"/>
+          <p:cNvSpPr/>
+          <p:nvPr/>
+        </p:nvSpPr>
+        <p:spPr>
+          <a:xfrm>
+            <a:off x="797010" y="2647885"/>
+            <a:ext cx="2561967" cy="432490"/>
+          </a:xfrm>
+          <a:prstGeom prst="roundRect">
+            <a:avLst/>
+          </a:prstGeom>
+        </p:spPr>
+        <p:style>
+          <a:lnRef idx="2">
+            <a:schemeClr val="accent1"/>
+          </a:lnRef>
+          <a:fillRef idx="1">
+            <a:schemeClr val="lt1"/>
+          </a:fillRef>
+          <a:effectRef idx="0">
+            <a:schemeClr val="accent1"/>
+          </a:effectRef>
+          <a:fontRef idx="minor">
+            <a:schemeClr val="dk1"/>
+          </a:fontRef>
+        </p:style>
+        <p:txBody>
+          <a:bodyPr rtlCol="0" anchor="ctr"/>
+          <a:lstStyle/>
+          <a:p>
+            <a:pPr algn="ctr"/>
+            <a:r>
+              <a:rPr lang="en-US" dirty="0" smtClean="0"/>
+              <a:t>Training Samples</a:t>
+            </a:r>
+            <a:endParaRPr lang="en-US" dirty="0"/>
+          </a:p>
+        </p:txBody>
+      </p:sp>
+      <p:sp>
+        <p:nvSpPr>
+          <p:cNvPr id="6" name="Rounded Rectangle 5"/>
+          <p:cNvSpPr/>
+          <p:nvPr/>
+        </p:nvSpPr>
+        <p:spPr>
+          <a:xfrm>
+            <a:off x="4034480" y="2651988"/>
+            <a:ext cx="2559907" cy="428387"/>
+          </a:xfrm>
+          <a:prstGeom prst="roundRect">
+            <a:avLst/>
+          </a:prstGeom>
+        </p:spPr>
+        <p:style>
+          <a:lnRef idx="2">
+            <a:schemeClr val="accent1"/>
+          </a:lnRef>
+          <a:fillRef idx="1">
+            <a:schemeClr val="lt1"/>
+          </a:fillRef>
+          <a:effectRef idx="0">
+            <a:schemeClr val="accent1"/>
+          </a:effectRef>
+          <a:fontRef idx="minor">
+            <a:schemeClr val="dk1"/>
+          </a:fontRef>
+        </p:style>
+        <p:txBody>
+          <a:bodyPr rtlCol="0" anchor="ctr"/>
+          <a:lstStyle/>
+          <a:p>
+            <a:pPr algn="ctr"/>
+            <a:r>
+              <a:rPr lang="en-US" dirty="0" smtClean="0"/>
+              <a:t>Test Samples</a:t>
+            </a:r>
+            <a:endParaRPr lang="en-US" dirty="0"/>
+          </a:p>
+        </p:txBody>
+      </p:sp>
+      <p:sp>
+        <p:nvSpPr>
+          <p:cNvPr id="7" name="Rounded Rectangle 6"/>
+          <p:cNvSpPr/>
+          <p:nvPr/>
+        </p:nvSpPr>
+        <p:spPr>
+          <a:xfrm>
+            <a:off x="797010" y="3287378"/>
+            <a:ext cx="2559907" cy="431951"/>
+          </a:xfrm>
+          <a:prstGeom prst="roundRect">
+            <a:avLst/>
+          </a:prstGeom>
+        </p:spPr>
+        <p:style>
+          <a:lnRef idx="2">
+            <a:schemeClr val="accent1"/>
+          </a:lnRef>
+          <a:fillRef idx="1">
+            <a:schemeClr val="lt1"/>
+          </a:fillRef>
+          <a:effectRef idx="0">
+            <a:schemeClr val="accent1"/>
+          </a:effectRef>
+          <a:fontRef idx="minor">
+            <a:schemeClr val="dk1"/>
+          </a:fontRef>
+        </p:style>
+        <p:txBody>
+          <a:bodyPr rtlCol="0" anchor="ctr"/>
+          <a:lstStyle/>
+          <a:p>
+            <a:pPr algn="ctr"/>
+            <a:r>
+              <a:rPr lang="en-US" dirty="0" smtClean="0"/>
+              <a:t>Pre-processing</a:t>
+            </a:r>
+            <a:endParaRPr lang="en-US" dirty="0"/>
+          </a:p>
+        </p:txBody>
+      </p:sp>
+      <p:sp>
+        <p:nvSpPr>
+          <p:cNvPr id="9" name="Rounded Rectangle 8"/>
+          <p:cNvSpPr/>
+          <p:nvPr/>
+        </p:nvSpPr>
+        <p:spPr>
+          <a:xfrm>
+            <a:off x="797010" y="3926332"/>
+            <a:ext cx="2559907" cy="437108"/>
+          </a:xfrm>
+          <a:prstGeom prst="roundRect">
+            <a:avLst/>
+          </a:prstGeom>
+        </p:spPr>
+        <p:style>
+          <a:lnRef idx="2">
+            <a:schemeClr val="accent1"/>
+          </a:lnRef>
+          <a:fillRef idx="1">
+            <a:schemeClr val="lt1"/>
+          </a:fillRef>
+          <a:effectRef idx="0">
+            <a:schemeClr val="accent1"/>
+          </a:effectRef>
+          <a:fontRef idx="minor">
+            <a:schemeClr val="dk1"/>
+          </a:fontRef>
+        </p:style>
+        <p:txBody>
+          <a:bodyPr rtlCol="0" anchor="ctr"/>
+          <a:lstStyle/>
+          <a:p>
+            <a:pPr algn="ctr"/>
+            <a:r>
+              <a:rPr lang="en-US" dirty="0" smtClean="0"/>
+              <a:t>Augmentation</a:t>
+            </a:r>
+            <a:endParaRPr lang="en-US" dirty="0"/>
+          </a:p>
+        </p:txBody>
+      </p:sp>
+      <p:sp>
+        <p:nvSpPr>
+          <p:cNvPr id="10" name="Rounded Rectangle 9"/>
+          <p:cNvSpPr/>
+          <p:nvPr/>
+        </p:nvSpPr>
+        <p:spPr>
+          <a:xfrm>
+            <a:off x="797009" y="4570443"/>
+            <a:ext cx="2559907" cy="431951"/>
+          </a:xfrm>
+          <a:prstGeom prst="roundRect">
+            <a:avLst/>
+          </a:prstGeom>
+        </p:spPr>
+        <p:style>
+          <a:lnRef idx="2">
+            <a:schemeClr val="accent1"/>
+          </a:lnRef>
+          <a:fillRef idx="1">
+            <a:schemeClr val="lt1"/>
+          </a:fillRef>
+          <a:effectRef idx="0">
+            <a:schemeClr val="accent1"/>
+          </a:effectRef>
+          <a:fontRef idx="minor">
+            <a:schemeClr val="dk1"/>
+          </a:fontRef>
+        </p:style>
+        <p:txBody>
+          <a:bodyPr rtlCol="0" anchor="ctr"/>
+          <a:lstStyle/>
+          <a:p>
+            <a:pPr algn="ctr"/>
+            <a:r>
+              <a:rPr lang="en-US" dirty="0"/>
+              <a:t>Features </a:t>
+            </a:r>
+            <a:r>
+              <a:rPr lang="en-US" dirty="0" smtClean="0"/>
+              <a:t>Extraction</a:t>
+            </a:r>
+            <a:endParaRPr lang="en-US" dirty="0"/>
+          </a:p>
+        </p:txBody>
+      </p:sp>
+      <p:sp>
+        <p:nvSpPr>
+          <p:cNvPr id="13" name="Rounded Rectangle 12"/>
+          <p:cNvSpPr/>
+          <p:nvPr/>
+        </p:nvSpPr>
+        <p:spPr>
+          <a:xfrm>
+            <a:off x="1129611" y="5352749"/>
+            <a:ext cx="1894702" cy="925658"/>
+          </a:xfrm>
+          <a:prstGeom prst="roundRect">
+            <a:avLst/>
+          </a:prstGeom>
+        </p:spPr>
+        <p:style>
+          <a:lnRef idx="2">
+            <a:schemeClr val="accent1"/>
+          </a:lnRef>
+          <a:fillRef idx="1">
+            <a:schemeClr val="lt1"/>
+          </a:fillRef>
+          <a:effectRef idx="0">
+            <a:schemeClr val="accent1"/>
+          </a:effectRef>
+          <a:fontRef idx="minor">
+            <a:schemeClr val="dk1"/>
+          </a:fontRef>
+        </p:style>
+        <p:txBody>
+          <a:bodyPr rtlCol="0" anchor="ctr"/>
+          <a:lstStyle/>
+          <a:p>
+            <a:pPr algn="ctr"/>
+            <a:r>
+              <a:rPr lang="en-US" dirty="0" smtClean="0"/>
+              <a:t>Training Classifier Model</a:t>
+            </a:r>
+            <a:endParaRPr lang="en-US" dirty="0"/>
+          </a:p>
+        </p:txBody>
+      </p:sp>
+      <p:sp>
+        <p:nvSpPr>
+          <p:cNvPr id="14" name="Rounded Rectangle 13"/>
+          <p:cNvSpPr/>
+          <p:nvPr/>
+        </p:nvSpPr>
+        <p:spPr>
+          <a:xfrm>
+            <a:off x="4370167" y="5352749"/>
+            <a:ext cx="1888527" cy="925658"/>
+          </a:xfrm>
+          <a:prstGeom prst="roundRect">
+            <a:avLst/>
+          </a:prstGeom>
+        </p:spPr>
+        <p:style>
+          <a:lnRef idx="2">
+            <a:schemeClr val="accent1"/>
+          </a:lnRef>
+          <a:fillRef idx="1">
+            <a:schemeClr val="lt1"/>
+          </a:fillRef>
+          <a:effectRef idx="0">
+            <a:schemeClr val="accent1"/>
+          </a:effectRef>
+          <a:fontRef idx="minor">
+            <a:schemeClr val="dk1"/>
+          </a:fontRef>
+        </p:style>
+        <p:txBody>
+          <a:bodyPr rtlCol="0" anchor="ctr"/>
+          <a:lstStyle/>
+          <a:p>
+            <a:pPr algn="ctr"/>
+            <a:r>
+              <a:rPr lang="en-US" dirty="0" smtClean="0"/>
+              <a:t>Model Prediction</a:t>
+            </a:r>
+            <a:endParaRPr lang="en-US" dirty="0"/>
+          </a:p>
+        </p:txBody>
+      </p:sp>
+      <p:sp>
+        <p:nvSpPr>
+          <p:cNvPr id="15" name="Rounded Rectangle 14"/>
+          <p:cNvSpPr/>
+          <p:nvPr/>
+        </p:nvSpPr>
+        <p:spPr>
+          <a:xfrm>
+            <a:off x="7222781" y="5401624"/>
+            <a:ext cx="1705232" cy="827907"/>
+          </a:xfrm>
+          <a:prstGeom prst="roundRect">
+            <a:avLst/>
+          </a:prstGeom>
+        </p:spPr>
+        <p:style>
+          <a:lnRef idx="2">
+            <a:schemeClr val="accent1"/>
+          </a:lnRef>
+          <a:fillRef idx="1">
+            <a:schemeClr val="lt1"/>
+          </a:fillRef>
+          <a:effectRef idx="0">
+            <a:schemeClr val="accent1"/>
+          </a:effectRef>
+          <a:fontRef idx="minor">
+            <a:schemeClr val="dk1"/>
+          </a:fontRef>
+        </p:style>
+        <p:txBody>
+          <a:bodyPr rtlCol="0" anchor="ctr"/>
+          <a:lstStyle/>
+          <a:p>
+            <a:pPr algn="ctr"/>
+            <a:r>
+              <a:rPr lang="en-US" dirty="0" smtClean="0"/>
+              <a:t>Emotion Recognition</a:t>
+            </a:r>
+            <a:endParaRPr lang="en-US" dirty="0"/>
+          </a:p>
+        </p:txBody>
+      </p:sp>
+      <p:sp>
+        <p:nvSpPr>
+          <p:cNvPr id="16" name="Rounded Rectangle 15"/>
+          <p:cNvSpPr/>
+          <p:nvPr/>
+        </p:nvSpPr>
+        <p:spPr>
+          <a:xfrm>
+            <a:off x="4034479" y="3287377"/>
+            <a:ext cx="2559907" cy="431951"/>
+          </a:xfrm>
+          <a:prstGeom prst="roundRect">
+            <a:avLst/>
+          </a:prstGeom>
+        </p:spPr>
+        <p:style>
+          <a:lnRef idx="2">
+            <a:schemeClr val="accent1"/>
+          </a:lnRef>
+          <a:fillRef idx="1">
+            <a:schemeClr val="lt1"/>
+          </a:fillRef>
+          <a:effectRef idx="0">
+            <a:schemeClr val="accent1"/>
+          </a:effectRef>
+          <a:fontRef idx="minor">
+            <a:schemeClr val="dk1"/>
+          </a:fontRef>
+        </p:style>
+        <p:txBody>
+          <a:bodyPr rtlCol="0" anchor="ctr"/>
+          <a:lstStyle/>
+          <a:p>
+            <a:pPr algn="ctr"/>
+            <a:r>
+              <a:rPr lang="en-US" dirty="0" smtClean="0"/>
+              <a:t>Pre-processing</a:t>
+            </a:r>
+            <a:endParaRPr lang="en-US" dirty="0"/>
+          </a:p>
+        </p:txBody>
+      </p:sp>
+      <p:sp>
+        <p:nvSpPr>
+          <p:cNvPr id="17" name="Rounded Rectangle 16"/>
+          <p:cNvSpPr/>
+          <p:nvPr/>
+        </p:nvSpPr>
+        <p:spPr>
+          <a:xfrm>
+            <a:off x="4034478" y="4570442"/>
+            <a:ext cx="2559907" cy="431951"/>
+          </a:xfrm>
+          <a:prstGeom prst="roundRect">
+            <a:avLst/>
+          </a:prstGeom>
+        </p:spPr>
+        <p:style>
+          <a:lnRef idx="2">
+            <a:schemeClr val="accent1"/>
+          </a:lnRef>
+          <a:fillRef idx="1">
+            <a:schemeClr val="lt1"/>
+          </a:fillRef>
+          <a:effectRef idx="0">
+            <a:schemeClr val="accent1"/>
+          </a:effectRef>
+          <a:fontRef idx="minor">
+            <a:schemeClr val="dk1"/>
+          </a:fontRef>
+        </p:style>
+        <p:txBody>
+          <a:bodyPr rtlCol="0" anchor="ctr"/>
+          <a:lstStyle/>
+          <a:p>
+            <a:pPr algn="ctr"/>
+            <a:r>
+              <a:rPr lang="en-US" dirty="0"/>
+              <a:t>Features </a:t>
+            </a:r>
+            <a:r>
+              <a:rPr lang="en-US" dirty="0" smtClean="0"/>
+              <a:t>Extraction</a:t>
+            </a:r>
+            <a:endParaRPr lang="en-US" dirty="0"/>
+          </a:p>
+        </p:txBody>
+      </p:sp>
+      <p:cxnSp>
+        <p:nvCxnSpPr>
+          <p:cNvPr id="19" name="Straight Arrow Connector 18"/>
+          <p:cNvCxnSpPr>
+            <a:endCxn id="5" idx="0"/>
+          </p:cNvCxnSpPr>
+          <p:nvPr/>
+        </p:nvCxnSpPr>
+        <p:spPr>
+          <a:xfrm>
+            <a:off x="2076962" y="2423616"/>
+            <a:ext cx="1032" cy="224269"/>
+          </a:xfrm>
+          <a:prstGeom prst="straightConnector1">
+            <a:avLst/>
+          </a:prstGeom>
+          <a:ln w="9525">
+            <a:tailEnd type="triangle"/>
+          </a:ln>
+        </p:spPr>
+        <p:style>
+          <a:lnRef idx="1">
+            <a:schemeClr val="dk1"/>
+          </a:lnRef>
+          <a:fillRef idx="0">
+            <a:schemeClr val="dk1"/>
+          </a:fillRef>
+          <a:effectRef idx="0">
+            <a:schemeClr val="dk1"/>
+          </a:effectRef>
+          <a:fontRef idx="minor">
+            <a:schemeClr val="tx1"/>
+          </a:fontRef>
+        </p:style>
+      </p:cxnSp>
+      <p:cxnSp>
+        <p:nvCxnSpPr>
+          <p:cNvPr id="21" name="Straight Arrow Connector 20"/>
+          <p:cNvCxnSpPr/>
+          <p:nvPr/>
+        </p:nvCxnSpPr>
+        <p:spPr>
+          <a:xfrm>
+            <a:off x="5313398" y="2415592"/>
+            <a:ext cx="1032" cy="224269"/>
+          </a:xfrm>
+          <a:prstGeom prst="straightConnector1">
+            <a:avLst/>
+          </a:prstGeom>
+          <a:ln w="9525">
+            <a:tailEnd type="triangle"/>
+          </a:ln>
+        </p:spPr>
+        <p:style>
+          <a:lnRef idx="1">
+            <a:schemeClr val="dk1"/>
+          </a:lnRef>
+          <a:fillRef idx="0">
+            <a:schemeClr val="dk1"/>
+          </a:fillRef>
+          <a:effectRef idx="0">
+            <a:schemeClr val="dk1"/>
+          </a:effectRef>
+          <a:fontRef idx="minor">
+            <a:schemeClr val="tx1"/>
+          </a:fontRef>
+        </p:style>
+      </p:cxnSp>
+      <p:cxnSp>
+        <p:nvCxnSpPr>
+          <p:cNvPr id="23" name="Straight Connector 22"/>
+          <p:cNvCxnSpPr/>
+          <p:nvPr/>
+        </p:nvCxnSpPr>
+        <p:spPr>
+          <a:xfrm flipV="1">
+            <a:off x="2076962" y="2415592"/>
+            <a:ext cx="3236436" cy="8024"/>
+          </a:xfrm>
+          <a:prstGeom prst="line">
+            <a:avLst/>
+          </a:prstGeom>
+          <a:ln w="9525"/>
+        </p:spPr>
+        <p:style>
+          <a:lnRef idx="1">
+            <a:schemeClr val="dk1"/>
+          </a:lnRef>
+          <a:fillRef idx="0">
+            <a:schemeClr val="dk1"/>
+          </a:fillRef>
+          <a:effectRef idx="0">
+            <a:schemeClr val="dk1"/>
+          </a:effectRef>
+          <a:fontRef idx="minor">
+            <a:schemeClr val="tx1"/>
+          </a:fontRef>
+        </p:style>
+      </p:cxnSp>
+      <p:cxnSp>
+        <p:nvCxnSpPr>
+          <p:cNvPr id="25" name="Straight Connector 24"/>
+          <p:cNvCxnSpPr>
+            <a:stCxn id="4" idx="2"/>
+          </p:cNvCxnSpPr>
+          <p:nvPr/>
+        </p:nvCxnSpPr>
+        <p:spPr>
+          <a:xfrm>
+            <a:off x="3760573" y="2123737"/>
+            <a:ext cx="4119" cy="291855"/>
+          </a:xfrm>
+          <a:prstGeom prst="line">
+            <a:avLst/>
+          </a:prstGeom>
+          <a:ln w="9525"/>
+        </p:spPr>
+        <p:style>
+          <a:lnRef idx="1">
+            <a:schemeClr val="dk1"/>
+          </a:lnRef>
+          <a:fillRef idx="0">
+            <a:schemeClr val="dk1"/>
+          </a:fillRef>
+          <a:effectRef idx="0">
+            <a:schemeClr val="dk1"/>
+          </a:effectRef>
+          <a:fontRef idx="minor">
+            <a:schemeClr val="tx1"/>
+          </a:fontRef>
+        </p:style>
+      </p:cxnSp>
+      <p:cxnSp>
+        <p:nvCxnSpPr>
+          <p:cNvPr id="28" name="Straight Arrow Connector 27"/>
+          <p:cNvCxnSpPr/>
+          <p:nvPr/>
+        </p:nvCxnSpPr>
+        <p:spPr>
+          <a:xfrm>
+            <a:off x="2076962" y="3080375"/>
+            <a:ext cx="1032" cy="224269"/>
+          </a:xfrm>
+          <a:prstGeom prst="straightConnector1">
+            <a:avLst/>
+          </a:prstGeom>
+          <a:ln w="9525">
+            <a:tailEnd type="triangle"/>
+          </a:ln>
+        </p:spPr>
+        <p:style>
+          <a:lnRef idx="1">
+            <a:schemeClr val="dk1"/>
+          </a:lnRef>
+          <a:fillRef idx="0">
+            <a:schemeClr val="dk1"/>
+          </a:fillRef>
+          <a:effectRef idx="0">
+            <a:schemeClr val="dk1"/>
+          </a:effectRef>
+          <a:fontRef idx="minor">
+            <a:schemeClr val="tx1"/>
+          </a:fontRef>
+        </p:style>
+      </p:cxnSp>
+      <p:cxnSp>
+        <p:nvCxnSpPr>
+          <p:cNvPr id="29" name="Straight Arrow Connector 28"/>
+          <p:cNvCxnSpPr/>
+          <p:nvPr/>
+        </p:nvCxnSpPr>
+        <p:spPr>
+          <a:xfrm>
+            <a:off x="2076962" y="3710696"/>
+            <a:ext cx="1032" cy="224269"/>
+          </a:xfrm>
+          <a:prstGeom prst="straightConnector1">
+            <a:avLst/>
+          </a:prstGeom>
+          <a:ln w="9525">
+            <a:tailEnd type="triangle"/>
+          </a:ln>
+        </p:spPr>
+        <p:style>
+          <a:lnRef idx="1">
+            <a:schemeClr val="dk1"/>
+          </a:lnRef>
+          <a:fillRef idx="0">
+            <a:schemeClr val="dk1"/>
+          </a:fillRef>
+          <a:effectRef idx="0">
+            <a:schemeClr val="dk1"/>
+          </a:effectRef>
+          <a:fontRef idx="minor">
+            <a:schemeClr val="tx1"/>
+          </a:fontRef>
+        </p:style>
+      </p:cxnSp>
+      <p:cxnSp>
+        <p:nvCxnSpPr>
+          <p:cNvPr id="30" name="Straight Arrow Connector 29"/>
+          <p:cNvCxnSpPr/>
+          <p:nvPr/>
+        </p:nvCxnSpPr>
+        <p:spPr>
+          <a:xfrm>
+            <a:off x="2075930" y="4354807"/>
+            <a:ext cx="1032" cy="224269"/>
+          </a:xfrm>
+          <a:prstGeom prst="straightConnector1">
+            <a:avLst/>
+          </a:prstGeom>
+          <a:ln w="9525">
+            <a:tailEnd type="triangle"/>
+          </a:ln>
+        </p:spPr>
+        <p:style>
+          <a:lnRef idx="1">
+            <a:schemeClr val="dk1"/>
+          </a:lnRef>
+          <a:fillRef idx="0">
+            <a:schemeClr val="dk1"/>
+          </a:fillRef>
+          <a:effectRef idx="0">
+            <a:schemeClr val="dk1"/>
+          </a:effectRef>
+          <a:fontRef idx="minor">
+            <a:schemeClr val="tx1"/>
+          </a:fontRef>
+        </p:style>
+      </p:cxnSp>
+      <p:cxnSp>
+        <p:nvCxnSpPr>
+          <p:cNvPr id="31" name="Straight Arrow Connector 30"/>
+          <p:cNvCxnSpPr/>
+          <p:nvPr/>
+        </p:nvCxnSpPr>
+        <p:spPr>
+          <a:xfrm>
+            <a:off x="5312366" y="3071742"/>
+            <a:ext cx="1032" cy="224269"/>
+          </a:xfrm>
+          <a:prstGeom prst="straightConnector1">
+            <a:avLst/>
+          </a:prstGeom>
+          <a:ln w="9525">
+            <a:tailEnd type="triangle"/>
+          </a:ln>
+        </p:spPr>
+        <p:style>
+          <a:lnRef idx="1">
+            <a:schemeClr val="dk1"/>
+          </a:lnRef>
+          <a:fillRef idx="0">
+            <a:schemeClr val="dk1"/>
+          </a:fillRef>
+          <a:effectRef idx="0">
+            <a:schemeClr val="dk1"/>
+          </a:effectRef>
+          <a:fontRef idx="minor">
+            <a:schemeClr val="tx1"/>
+          </a:fontRef>
+        </p:style>
+      </p:cxnSp>
+      <p:cxnSp>
+        <p:nvCxnSpPr>
+          <p:cNvPr id="32" name="Straight Arrow Connector 31"/>
+          <p:cNvCxnSpPr>
+            <a:endCxn id="17" idx="0"/>
+          </p:cNvCxnSpPr>
+          <p:nvPr/>
+        </p:nvCxnSpPr>
+        <p:spPr>
+          <a:xfrm>
+            <a:off x="5312366" y="3705997"/>
+            <a:ext cx="2066" cy="864445"/>
+          </a:xfrm>
+          <a:prstGeom prst="straightConnector1">
+            <a:avLst/>
+          </a:prstGeom>
+          <a:ln w="9525">
+            <a:tailEnd type="triangle"/>
+          </a:ln>
+        </p:spPr>
+        <p:style>
+          <a:lnRef idx="1">
+            <a:schemeClr val="dk1"/>
+          </a:lnRef>
+          <a:fillRef idx="0">
+            <a:schemeClr val="dk1"/>
+          </a:fillRef>
+          <a:effectRef idx="0">
+            <a:schemeClr val="dk1"/>
+          </a:effectRef>
+          <a:fontRef idx="minor">
+            <a:schemeClr val="tx1"/>
+          </a:fontRef>
+        </p:style>
+      </p:cxnSp>
+      <p:cxnSp>
+        <p:nvCxnSpPr>
+          <p:cNvPr id="34" name="Straight Arrow Connector 33"/>
+          <p:cNvCxnSpPr>
+            <a:endCxn id="13" idx="0"/>
+          </p:cNvCxnSpPr>
+          <p:nvPr/>
+        </p:nvCxnSpPr>
+        <p:spPr>
+          <a:xfrm>
+            <a:off x="2075930" y="5007551"/>
+            <a:ext cx="1032" cy="345198"/>
+          </a:xfrm>
+          <a:prstGeom prst="straightConnector1">
+            <a:avLst/>
+          </a:prstGeom>
+          <a:ln w="9525">
+            <a:tailEnd type="triangle"/>
+          </a:ln>
+        </p:spPr>
+        <p:style>
+          <a:lnRef idx="1">
+            <a:schemeClr val="dk1"/>
+          </a:lnRef>
+          <a:fillRef idx="0">
+            <a:schemeClr val="dk1"/>
+          </a:fillRef>
+          <a:effectRef idx="0">
+            <a:schemeClr val="dk1"/>
+          </a:effectRef>
+          <a:fontRef idx="minor">
+            <a:schemeClr val="tx1"/>
+          </a:fontRef>
+        </p:style>
+      </p:cxnSp>
+      <p:cxnSp>
+        <p:nvCxnSpPr>
+          <p:cNvPr id="36" name="Straight Arrow Connector 35"/>
+          <p:cNvCxnSpPr>
+            <a:endCxn id="14" idx="0"/>
+          </p:cNvCxnSpPr>
+          <p:nvPr/>
+        </p:nvCxnSpPr>
+        <p:spPr>
+          <a:xfrm>
+            <a:off x="5311334" y="5002932"/>
+            <a:ext cx="3097" cy="349817"/>
+          </a:xfrm>
+          <a:prstGeom prst="straightConnector1">
+            <a:avLst/>
+          </a:prstGeom>
+          <a:ln w="9525">
+            <a:tailEnd type="triangle"/>
+          </a:ln>
+        </p:spPr>
+        <p:style>
+          <a:lnRef idx="1">
+            <a:schemeClr val="dk1"/>
+          </a:lnRef>
+          <a:fillRef idx="0">
+            <a:schemeClr val="dk1"/>
+          </a:fillRef>
+          <a:effectRef idx="0">
+            <a:schemeClr val="dk1"/>
+          </a:effectRef>
+          <a:fontRef idx="minor">
+            <a:schemeClr val="tx1"/>
+          </a:fontRef>
+        </p:style>
+      </p:cxnSp>
+      <p:cxnSp>
+        <p:nvCxnSpPr>
+          <p:cNvPr id="38" name="Straight Arrow Connector 37"/>
+          <p:cNvCxnSpPr>
+            <a:stCxn id="13" idx="3"/>
+            <a:endCxn id="14" idx="1"/>
+          </p:cNvCxnSpPr>
+          <p:nvPr/>
+        </p:nvCxnSpPr>
+        <p:spPr>
+          <a:xfrm>
+            <a:off x="3024313" y="5815578"/>
+            <a:ext cx="1345854" cy="0"/>
+          </a:xfrm>
+          <a:prstGeom prst="straightConnector1">
+            <a:avLst/>
+          </a:prstGeom>
+          <a:ln w="9525">
+            <a:tailEnd type="triangle"/>
+          </a:ln>
+        </p:spPr>
+        <p:style>
+          <a:lnRef idx="1">
+            <a:schemeClr val="dk1"/>
+          </a:lnRef>
+          <a:fillRef idx="0">
+            <a:schemeClr val="dk1"/>
+          </a:fillRef>
+          <a:effectRef idx="0">
+            <a:schemeClr val="dk1"/>
+          </a:effectRef>
+          <a:fontRef idx="minor">
+            <a:schemeClr val="tx1"/>
+          </a:fontRef>
+        </p:style>
+      </p:cxnSp>
+      <p:cxnSp>
+        <p:nvCxnSpPr>
+          <p:cNvPr id="41" name="Straight Arrow Connector 40"/>
+          <p:cNvCxnSpPr>
+            <a:endCxn id="15" idx="1"/>
+          </p:cNvCxnSpPr>
+          <p:nvPr/>
+        </p:nvCxnSpPr>
+        <p:spPr>
+          <a:xfrm>
+            <a:off x="6258694" y="5815577"/>
+            <a:ext cx="964087" cy="1"/>
+          </a:xfrm>
+          <a:prstGeom prst="straightConnector1">
+            <a:avLst/>
+          </a:prstGeom>
+          <a:ln w="9525">
+            <a:tailEnd type="triangle"/>
+          </a:ln>
+        </p:spPr>
+        <p:style>
+          <a:lnRef idx="1">
+            <a:schemeClr val="dk1"/>
+          </a:lnRef>
+          <a:fillRef idx="0">
+            <a:schemeClr val="dk1"/>
+          </a:fillRef>
+          <a:effectRef idx="0">
+            <a:schemeClr val="dk1"/>
+          </a:effectRef>
+          <a:fontRef idx="minor">
+            <a:schemeClr val="tx1"/>
+          </a:fontRef>
+        </p:style>
+      </p:cxnSp>
+      <p:pic>
+        <p:nvPicPr>
+          <p:cNvPr id="55" name="Picture 54"/>
+          <p:cNvPicPr>
+            <a:picLocks noChangeAspect="1"/>
+          </p:cNvPicPr>
+          <p:nvPr/>
+        </p:nvPicPr>
+        <p:blipFill>
+          <a:blip r:embed="rId2"/>
+          <a:stretch>
+            <a:fillRect/>
+          </a:stretch>
+        </p:blipFill>
+        <p:spPr>
+          <a:xfrm>
+            <a:off x="7061359" y="1545663"/>
+            <a:ext cx="2028076" cy="578074"/>
+          </a:xfrm>
+          <a:prstGeom prst="rect">
+            <a:avLst/>
+          </a:prstGeom>
+        </p:spPr>
+      </p:pic>
+      <p:cxnSp>
+        <p:nvCxnSpPr>
+          <p:cNvPr id="56" name="Straight Arrow Connector 55"/>
+          <p:cNvCxnSpPr>
+            <a:stCxn id="55" idx="1"/>
+            <a:endCxn id="4" idx="3"/>
+          </p:cNvCxnSpPr>
+          <p:nvPr/>
+        </p:nvCxnSpPr>
+        <p:spPr>
+          <a:xfrm flipH="1">
+            <a:off x="5041557" y="1834700"/>
+            <a:ext cx="2019802" cy="0"/>
+          </a:xfrm>
+          <a:prstGeom prst="straightConnector1">
+            <a:avLst/>
+          </a:prstGeom>
+          <a:ln w="9525">
+            <a:tailEnd type="triangle"/>
+          </a:ln>
+        </p:spPr>
+        <p:style>
+          <a:lnRef idx="1">
+            <a:schemeClr val="dk1"/>
+          </a:lnRef>
+          <a:fillRef idx="0">
+            <a:schemeClr val="dk1"/>
+          </a:fillRef>
+          <a:effectRef idx="0">
+            <a:schemeClr val="dk1"/>
+          </a:effectRef>
+          <a:fontRef idx="minor">
+            <a:schemeClr val="tx1"/>
+          </a:fontRef>
+        </p:style>
+      </p:cxnSp>
+      <p:pic>
+        <p:nvPicPr>
+          <p:cNvPr id="60" name="Picture 59"/>
+          <p:cNvPicPr>
+            <a:picLocks noChangeAspect="1"/>
+          </p:cNvPicPr>
+          <p:nvPr/>
+        </p:nvPicPr>
+        <p:blipFill>
+          <a:blip r:embed="rId3"/>
+          <a:stretch>
+            <a:fillRect/>
+          </a:stretch>
+        </p:blipFill>
+        <p:spPr>
+          <a:xfrm>
+            <a:off x="7118134" y="2647885"/>
+            <a:ext cx="1914525" cy="2381250"/>
+          </a:xfrm>
+          <a:prstGeom prst="rect">
+            <a:avLst/>
+          </a:prstGeom>
+        </p:spPr>
+      </p:pic>
+      <p:cxnSp>
+        <p:nvCxnSpPr>
+          <p:cNvPr id="61" name="Straight Arrow Connector 60"/>
+          <p:cNvCxnSpPr>
+            <a:stCxn id="15" idx="0"/>
+            <a:endCxn id="60" idx="2"/>
+          </p:cNvCxnSpPr>
+          <p:nvPr/>
+        </p:nvCxnSpPr>
+        <p:spPr>
+          <a:xfrm flipV="1">
+            <a:off x="8075397" y="5029135"/>
+            <a:ext cx="0" cy="372489"/>
+          </a:xfrm>
+          <a:prstGeom prst="straightConnector1">
+            <a:avLst/>
+          </a:prstGeom>
+          <a:ln w="9525">
+            <a:tailEnd type="triangle"/>
+          </a:ln>
+        </p:spPr>
+        <p:style>
+          <a:lnRef idx="1">
+            <a:schemeClr val="dk1"/>
+          </a:lnRef>
+          <a:fillRef idx="0">
+            <a:schemeClr val="dk1"/>
+          </a:fillRef>
+          <a:effectRef idx="0">
+            <a:schemeClr val="dk1"/>
+          </a:effectRef>
+          <a:fontRef idx="minor">
+            <a:schemeClr val="tx1"/>
+          </a:fontRef>
+        </p:style>
+      </p:cxnSp>
     </p:spTree>
     <p:extLst>
       <p:ext uri="{BB962C8B-B14F-4D97-AF65-F5344CB8AC3E}">
-        <p14:creationId xmlns:p14="http://schemas.microsoft.com/office/powerpoint/2010/main" val="3929595432"/>
+        <p14:creationId xmlns:p14="http://schemas.microsoft.com/office/powerpoint/2010/main" val="3417720983"/>
       </p:ext>
     </p:extLst>
   </p:cSld>
@@ -6738,8 +9469,8 @@
           <a:lstStyle/>
           <a:p>
             <a:r>
-              <a:rPr lang="en-US" dirty="0" err="1" smtClean="0"/>
-              <a:t>MiniRocket</a:t>
+              <a:rPr lang="en-US" dirty="0" smtClean="0"/>
+              <a:t>Speech Analysis</a:t>
             </a:r>
             <a:endParaRPr lang="en-US" dirty="0"/>
           </a:p>
@@ -6772,7 +9503,7 @@
     </p:spTree>
     <p:extLst>
       <p:ext uri="{BB962C8B-B14F-4D97-AF65-F5344CB8AC3E}">
-        <p14:creationId xmlns:p14="http://schemas.microsoft.com/office/powerpoint/2010/main" val="2162043222"/>
+        <p14:creationId xmlns:p14="http://schemas.microsoft.com/office/powerpoint/2010/main" val="160193260"/>
       </p:ext>
     </p:extLst>
   </p:cSld>
@@ -6821,7 +9552,11 @@
           <a:p>
             <a:r>
               <a:rPr lang="en-US" dirty="0" smtClean="0"/>
-              <a:t>Feature Analysis</a:t>
+              <a:t>Audio Feature Extraction - </a:t>
+            </a:r>
+            <a:r>
+              <a:rPr lang="en-US" dirty="0" err="1" smtClean="0"/>
+              <a:t>intoduction</a:t>
             </a:r>
             <a:endParaRPr lang="en-US" dirty="0"/>
           </a:p>
@@ -6854,7 +9589,7 @@
     </p:spTree>
     <p:extLst>
       <p:ext uri="{BB962C8B-B14F-4D97-AF65-F5344CB8AC3E}">
-        <p14:creationId xmlns:p14="http://schemas.microsoft.com/office/powerpoint/2010/main" val="2900776901"/>
+        <p14:creationId xmlns:p14="http://schemas.microsoft.com/office/powerpoint/2010/main" val="572938035"/>
       </p:ext>
     </p:extLst>
   </p:cSld>
@@ -6903,7 +9638,7 @@
           <a:p>
             <a:r>
               <a:rPr lang="en-US" dirty="0" smtClean="0"/>
-              <a:t>Feature Selection</a:t>
+              <a:t>Feature Extraction</a:t>
             </a:r>
             <a:endParaRPr lang="en-US" dirty="0"/>
           </a:p>
@@ -6936,7 +9671,7 @@
     </p:spTree>
     <p:extLst>
       <p:ext uri="{BB962C8B-B14F-4D97-AF65-F5344CB8AC3E}">
-        <p14:creationId xmlns:p14="http://schemas.microsoft.com/office/powerpoint/2010/main" val="2486018049"/>
+        <p14:creationId xmlns:p14="http://schemas.microsoft.com/office/powerpoint/2010/main" val="3929595432"/>
       </p:ext>
     </p:extLst>
   </p:cSld>
